--- a/Credit Default detector_v3.pptx
+++ b/Credit Default detector_v3.pptx
@@ -13,14 +13,14 @@
     <p:sldId id="265" r:id="rId4"/>
     <p:sldId id="266" r:id="rId5"/>
     <p:sldId id="267" r:id="rId6"/>
-    <p:sldId id="269" r:id="rId7"/>
+    <p:sldId id="273" r:id="rId7"/>
     <p:sldId id="271" r:id="rId8"/>
-    <p:sldId id="270" r:id="rId9"/>
-    <p:sldId id="261" r:id="rId10"/>
-    <p:sldId id="263" r:id="rId11"/>
+    <p:sldId id="262" r:id="rId9"/>
+    <p:sldId id="270" r:id="rId10"/>
+    <p:sldId id="272" r:id="rId11"/>
     <p:sldId id="260" r:id="rId12"/>
-    <p:sldId id="272" r:id="rId13"/>
-    <p:sldId id="262" r:id="rId14"/>
+    <p:sldId id="263" r:id="rId13"/>
+    <p:sldId id="261" r:id="rId14"/>
     <p:sldId id="257" r:id="rId15"/>
     <p:sldId id="259" r:id="rId16"/>
   </p:sldIdLst>
@@ -4001,6 +4001,488 @@
 </file>
 
 <file path=ppt/notesSlides/notesSlide2.xml><?xml version="1.0" encoding="utf-8"?>
+<p:notes xmlns:a="http://schemas.openxmlformats.org/drawingml/2006/main" xmlns:r="http://schemas.openxmlformats.org/officeDocument/2006/relationships" xmlns:p="http://schemas.openxmlformats.org/presentationml/2006/main">
+  <p:cSld>
+    <p:spTree>
+      <p:nvGrpSpPr>
+        <p:cNvPr id="1" name=""/>
+        <p:cNvGrpSpPr/>
+        <p:nvPr/>
+      </p:nvGrpSpPr>
+      <p:grpSpPr>
+        <a:xfrm>
+          <a:off x="0" y="0"/>
+          <a:ext cx="0" cy="0"/>
+          <a:chOff x="0" y="0"/>
+          <a:chExt cx="0" cy="0"/>
+        </a:xfrm>
+      </p:grpSpPr>
+      <p:sp>
+        <p:nvSpPr>
+          <p:cNvPr id="2" name="Slide Image Placeholder 1"/>
+          <p:cNvSpPr>
+            <a:spLocks noGrp="1" noRot="1" noChangeAspect="1"/>
+          </p:cNvSpPr>
+          <p:nvPr>
+            <p:ph type="sldImg"/>
+          </p:nvPr>
+        </p:nvSpPr>
+        <p:spPr/>
+      </p:sp>
+      <p:sp>
+        <p:nvSpPr>
+          <p:cNvPr id="3" name="Notes Placeholder 2"/>
+          <p:cNvSpPr>
+            <a:spLocks noGrp="1"/>
+          </p:cNvSpPr>
+          <p:nvPr>
+            <p:ph type="body" idx="1"/>
+          </p:nvPr>
+        </p:nvSpPr>
+        <p:spPr/>
+        <p:txBody>
+          <a:bodyPr/>
+          <a:lstStyle/>
+          <a:p>
+            <a:r>
+              <a:rPr lang="en-US" b="0" i="0" dirty="0">
+                <a:solidFill>
+                  <a:srgbClr val="242729"/>
+                </a:solidFill>
+                <a:effectLst/>
+                <a:latin typeface="-apple-system"/>
+              </a:rPr>
+              <a:t>C - To solve this, as well as minimizing the error as already discussed, you add to what is minimized and also minimize a function that penalizes large values of the parameters. Most often the function is λΣθ</a:t>
+            </a:r>
+            <a:r>
+              <a:rPr lang="en-US" b="0" i="0" baseline="-25000" dirty="0">
+                <a:solidFill>
+                  <a:srgbClr val="242729"/>
+                </a:solidFill>
+                <a:effectLst/>
+                <a:latin typeface="-apple-system"/>
+              </a:rPr>
+              <a:t>j</a:t>
+            </a:r>
+            <a:r>
+              <a:rPr lang="en-US" b="0" i="0" baseline="30000" dirty="0">
+                <a:solidFill>
+                  <a:srgbClr val="242729"/>
+                </a:solidFill>
+                <a:effectLst/>
+                <a:latin typeface="-apple-system"/>
+              </a:rPr>
+              <a:t>2</a:t>
+            </a:r>
+            <a:r>
+              <a:rPr lang="en-US" b="0" i="0" dirty="0">
+                <a:solidFill>
+                  <a:srgbClr val="242729"/>
+                </a:solidFill>
+                <a:effectLst/>
+                <a:latin typeface="-apple-system"/>
+              </a:rPr>
+              <a:t>, which is some constant λ times the sum of the squared parameter values θ</a:t>
+            </a:r>
+            <a:r>
+              <a:rPr lang="en-US" b="0" i="0" baseline="-25000" dirty="0">
+                <a:solidFill>
+                  <a:srgbClr val="242729"/>
+                </a:solidFill>
+                <a:effectLst/>
+                <a:latin typeface="-apple-system"/>
+              </a:rPr>
+              <a:t>j</a:t>
+            </a:r>
+            <a:r>
+              <a:rPr lang="en-US" b="0" i="0" baseline="30000" dirty="0">
+                <a:solidFill>
+                  <a:srgbClr val="242729"/>
+                </a:solidFill>
+                <a:effectLst/>
+                <a:latin typeface="-apple-system"/>
+              </a:rPr>
+              <a:t>2</a:t>
+            </a:r>
+            <a:r>
+              <a:rPr lang="en-US" b="0" i="0" dirty="0">
+                <a:solidFill>
+                  <a:srgbClr val="242729"/>
+                </a:solidFill>
+                <a:effectLst/>
+                <a:latin typeface="-apple-system"/>
+              </a:rPr>
+              <a:t>. The larger λ is the less likely it is that the parameters will be increased in magnitude simply to adjust for small perturbations in the data. In your case however, rather than specifying λ, you specify C=1/λ.</a:t>
+            </a:r>
+          </a:p>
+          <a:p>
+            <a:endParaRPr lang="en-US" b="0" i="0" dirty="0">
+              <a:solidFill>
+                <a:srgbClr val="242729"/>
+              </a:solidFill>
+              <a:effectLst/>
+              <a:latin typeface="-apple-system"/>
+            </a:endParaRPr>
+          </a:p>
+          <a:p>
+            <a:r>
+              <a:rPr lang="en-US" dirty="0"/>
+              <a:t>Penalty: </a:t>
+            </a:r>
+            <a:r>
+              <a:rPr lang="en-US" b="0" i="0" dirty="0">
+                <a:solidFill>
+                  <a:srgbClr val="454545"/>
+                </a:solidFill>
+                <a:effectLst/>
+                <a:latin typeface="PT Sans"/>
+              </a:rPr>
+              <a:t>loss function</a:t>
+            </a:r>
+          </a:p>
+          <a:p>
+            <a:endParaRPr lang="en-US" b="0" i="0" dirty="0">
+              <a:solidFill>
+                <a:srgbClr val="454545"/>
+              </a:solidFill>
+              <a:effectLst/>
+              <a:latin typeface="PT Sans"/>
+            </a:endParaRPr>
+          </a:p>
+          <a:p>
+            <a:r>
+              <a:rPr lang="en-US" b="0" i="0" dirty="0">
+                <a:solidFill>
+                  <a:srgbClr val="454545"/>
+                </a:solidFill>
+                <a:effectLst/>
+                <a:latin typeface="PT Sans"/>
+              </a:rPr>
+              <a:t>L1: L1-norm loss function is also known as least absolute deviations (LAD), least absolute errors (LAE). It is basically minimizing the sum of the absolute differences </a:t>
+            </a:r>
+            <a:r>
+              <a:rPr lang="en-US" b="1" i="0" dirty="0">
+                <a:solidFill>
+                  <a:srgbClr val="454545"/>
+                </a:solidFill>
+                <a:effectLst/>
+                <a:latin typeface="PT Sans"/>
+              </a:rPr>
+              <a:t>(S)</a:t>
+            </a:r>
+            <a:r>
+              <a:rPr lang="en-US" b="0" i="0" dirty="0">
+                <a:solidFill>
+                  <a:srgbClr val="454545"/>
+                </a:solidFill>
+                <a:effectLst/>
+                <a:latin typeface="PT Sans"/>
+              </a:rPr>
+              <a:t> between the target value (</a:t>
+            </a:r>
+            <a:r>
+              <a:rPr lang="en-US" b="1" i="0" dirty="0">
+                <a:solidFill>
+                  <a:srgbClr val="454545"/>
+                </a:solidFill>
+                <a:effectLst/>
+                <a:latin typeface="PT Sans"/>
+              </a:rPr>
+              <a:t>Y</a:t>
+            </a:r>
+            <a:r>
+              <a:rPr lang="en-US" b="1" i="0" baseline="-25000" dirty="0">
+                <a:solidFill>
+                  <a:srgbClr val="454545"/>
+                </a:solidFill>
+                <a:effectLst/>
+                <a:latin typeface="PT Sans"/>
+              </a:rPr>
+              <a:t>i</a:t>
+            </a:r>
+            <a:r>
+              <a:rPr lang="en-US" b="0" i="0" dirty="0">
+                <a:solidFill>
+                  <a:srgbClr val="454545"/>
+                </a:solidFill>
+                <a:effectLst/>
+                <a:latin typeface="PT Sans"/>
+              </a:rPr>
+              <a:t>) and the estimated values (</a:t>
+            </a:r>
+            <a:r>
+              <a:rPr lang="en-US" b="1" i="0" dirty="0">
+                <a:solidFill>
+                  <a:srgbClr val="454545"/>
+                </a:solidFill>
+                <a:effectLst/>
+                <a:latin typeface="PT Sans"/>
+              </a:rPr>
+              <a:t>f(x</a:t>
+            </a:r>
+            <a:r>
+              <a:rPr lang="en-US" b="1" i="0" baseline="-25000" dirty="0">
+                <a:solidFill>
+                  <a:srgbClr val="454545"/>
+                </a:solidFill>
+                <a:effectLst/>
+                <a:latin typeface="PT Sans"/>
+              </a:rPr>
+              <a:t>i</a:t>
+            </a:r>
+            <a:r>
+              <a:rPr lang="en-US" b="1" i="0" dirty="0">
+                <a:solidFill>
+                  <a:srgbClr val="454545"/>
+                </a:solidFill>
+                <a:effectLst/>
+                <a:latin typeface="PT Sans"/>
+              </a:rPr>
+              <a:t>)</a:t>
+            </a:r>
+            <a:r>
+              <a:rPr lang="en-US" b="0" i="0" dirty="0">
+                <a:solidFill>
+                  <a:srgbClr val="454545"/>
+                </a:solidFill>
+                <a:effectLst/>
+                <a:latin typeface="PT Sans"/>
+              </a:rPr>
+              <a:t>)</a:t>
+            </a:r>
+          </a:p>
+          <a:p>
+            <a:endParaRPr lang="en-US" b="0" i="0" dirty="0">
+              <a:solidFill>
+                <a:srgbClr val="454545"/>
+              </a:solidFill>
+              <a:effectLst/>
+              <a:latin typeface="PT Sans"/>
+            </a:endParaRPr>
+          </a:p>
+          <a:p>
+            <a:r>
+              <a:rPr lang="en-US" dirty="0"/>
+              <a:t>L2: </a:t>
+            </a:r>
+            <a:r>
+              <a:rPr lang="en-US" b="0" i="0" dirty="0">
+                <a:solidFill>
+                  <a:srgbClr val="454545"/>
+                </a:solidFill>
+                <a:effectLst/>
+                <a:latin typeface="PT Sans"/>
+              </a:rPr>
+              <a:t>L2-norm loss function is also known as least squares error (LSE). It is basically minimizing the sum of the square of the differences </a:t>
+            </a:r>
+            <a:r>
+              <a:rPr lang="en-US" b="1" i="0" dirty="0">
+                <a:solidFill>
+                  <a:srgbClr val="454545"/>
+                </a:solidFill>
+                <a:effectLst/>
+                <a:latin typeface="PT Sans"/>
+              </a:rPr>
+              <a:t>(S)</a:t>
+            </a:r>
+            <a:r>
+              <a:rPr lang="en-US" b="0" i="0" dirty="0">
+                <a:solidFill>
+                  <a:srgbClr val="454545"/>
+                </a:solidFill>
+                <a:effectLst/>
+                <a:latin typeface="PT Sans"/>
+              </a:rPr>
+              <a:t> between the target value (</a:t>
+            </a:r>
+            <a:r>
+              <a:rPr lang="en-US" b="1" i="0" dirty="0">
+                <a:solidFill>
+                  <a:srgbClr val="454545"/>
+                </a:solidFill>
+                <a:effectLst/>
+                <a:latin typeface="PT Sans"/>
+              </a:rPr>
+              <a:t>Y</a:t>
+            </a:r>
+            <a:r>
+              <a:rPr lang="en-US" b="1" i="0" baseline="-25000" dirty="0">
+                <a:solidFill>
+                  <a:srgbClr val="454545"/>
+                </a:solidFill>
+                <a:effectLst/>
+                <a:latin typeface="PT Sans"/>
+              </a:rPr>
+              <a:t>i</a:t>
+            </a:r>
+            <a:r>
+              <a:rPr lang="en-US" b="0" i="0" dirty="0">
+                <a:solidFill>
+                  <a:srgbClr val="454545"/>
+                </a:solidFill>
+                <a:effectLst/>
+                <a:latin typeface="PT Sans"/>
+              </a:rPr>
+              <a:t>) and the estimated values (</a:t>
+            </a:r>
+            <a:r>
+              <a:rPr lang="en-US" b="1" i="0" dirty="0">
+                <a:solidFill>
+                  <a:srgbClr val="454545"/>
+                </a:solidFill>
+                <a:effectLst/>
+                <a:latin typeface="PT Sans"/>
+              </a:rPr>
+              <a:t>f(x</a:t>
+            </a:r>
+            <a:r>
+              <a:rPr lang="en-US" b="1" i="0" baseline="-25000" dirty="0">
+                <a:solidFill>
+                  <a:srgbClr val="454545"/>
+                </a:solidFill>
+                <a:effectLst/>
+                <a:latin typeface="PT Sans"/>
+              </a:rPr>
+              <a:t>i</a:t>
+            </a:r>
+            <a:r>
+              <a:rPr lang="en-US" b="1" i="0" dirty="0">
+                <a:solidFill>
+                  <a:srgbClr val="454545"/>
+                </a:solidFill>
+                <a:effectLst/>
+                <a:latin typeface="PT Sans"/>
+              </a:rPr>
+              <a:t>)</a:t>
+            </a:r>
+          </a:p>
+          <a:p>
+            <a:endParaRPr lang="en-US" b="1" i="0" dirty="0">
+              <a:solidFill>
+                <a:srgbClr val="454545"/>
+              </a:solidFill>
+              <a:effectLst/>
+              <a:latin typeface="PT Sans"/>
+            </a:endParaRPr>
+          </a:p>
+          <a:p>
+            <a:r>
+              <a:rPr lang="en-US" b="1" i="0" dirty="0">
+                <a:solidFill>
+                  <a:srgbClr val="454545"/>
+                </a:solidFill>
+                <a:effectLst/>
+                <a:latin typeface="PT Sans"/>
+              </a:rPr>
+              <a:t>Sag: </a:t>
+            </a:r>
+            <a:r>
+              <a:rPr lang="en-US" b="1" i="0" dirty="0">
+                <a:solidFill>
+                  <a:srgbClr val="202124"/>
+                </a:solidFill>
+                <a:effectLst/>
+                <a:latin typeface="Roboto" panose="020B0604020202020204" pitchFamily="2" charset="0"/>
+              </a:rPr>
+              <a:t>SAG solver</a:t>
+            </a:r>
+            <a:r>
+              <a:rPr lang="en-US" b="0" i="0" dirty="0">
+                <a:solidFill>
+                  <a:srgbClr val="202124"/>
+                </a:solidFill>
+                <a:effectLst/>
+                <a:latin typeface="Roboto" panose="020B0604020202020204" pitchFamily="2" charset="0"/>
+              </a:rPr>
+              <a:t> for Ridge and </a:t>
+            </a:r>
+            <a:r>
+              <a:rPr lang="en-US" b="0" i="0" dirty="0" err="1">
+                <a:solidFill>
+                  <a:srgbClr val="202124"/>
+                </a:solidFill>
+                <a:effectLst/>
+                <a:latin typeface="Roboto" panose="020B0604020202020204" pitchFamily="2" charset="0"/>
+              </a:rPr>
+              <a:t>LogisticRegression</a:t>
+            </a:r>
+            <a:r>
+              <a:rPr lang="en-US" b="0" i="0" dirty="0">
+                <a:solidFill>
+                  <a:srgbClr val="202124"/>
+                </a:solidFill>
+                <a:effectLst/>
+                <a:latin typeface="Roboto" panose="020B0604020202020204" pitchFamily="2" charset="0"/>
+              </a:rPr>
+              <a:t>. </a:t>
+            </a:r>
+            <a:r>
+              <a:rPr lang="en-US" b="1" i="0" dirty="0">
+                <a:solidFill>
+                  <a:srgbClr val="202124"/>
+                </a:solidFill>
+                <a:effectLst/>
+                <a:latin typeface="Roboto" panose="020B0604020202020204" pitchFamily="2" charset="0"/>
+              </a:rPr>
+              <a:t>SAG</a:t>
+            </a:r>
+            <a:r>
+              <a:rPr lang="en-US" b="0" i="0" dirty="0">
+                <a:solidFill>
+                  <a:srgbClr val="202124"/>
+                </a:solidFill>
+                <a:effectLst/>
+                <a:latin typeface="Roboto" panose="020B0604020202020204" pitchFamily="2" charset="0"/>
+              </a:rPr>
+              <a:t> stands for Stochastic Average Gradient: the gradient of the loss is estimated each sample at a time and the model is updated along the way with a constant learning rate.</a:t>
+            </a:r>
+            <a:endParaRPr lang="en-US" b="1" i="0" dirty="0">
+              <a:solidFill>
+                <a:srgbClr val="454545"/>
+              </a:solidFill>
+              <a:effectLst/>
+              <a:latin typeface="PT Sans"/>
+            </a:endParaRPr>
+          </a:p>
+        </p:txBody>
+      </p:sp>
+      <p:sp>
+        <p:nvSpPr>
+          <p:cNvPr id="4" name="Slide Number Placeholder 3"/>
+          <p:cNvSpPr>
+            <a:spLocks noGrp="1"/>
+          </p:cNvSpPr>
+          <p:nvPr>
+            <p:ph type="sldNum" sz="quarter" idx="5"/>
+          </p:nvPr>
+        </p:nvSpPr>
+        <p:spPr/>
+        <p:txBody>
+          <a:bodyPr/>
+          <a:lstStyle/>
+          <a:p>
+            <a:fld id="{C4D7DC65-18B0-4494-A2EB-A2BDD0672859}" type="slidenum">
+              <a:rPr lang="en-US" smtClean="0"/>
+              <a:t>9</a:t>
+            </a:fld>
+            <a:endParaRPr lang="en-US"/>
+          </a:p>
+        </p:txBody>
+      </p:sp>
+    </p:spTree>
+    <p:extLst>
+      <p:ext uri="{BB962C8B-B14F-4D97-AF65-F5344CB8AC3E}">
+        <p14:creationId xmlns:p14="http://schemas.microsoft.com/office/powerpoint/2010/main" val="3796367483"/>
+      </p:ext>
+    </p:extLst>
+  </p:cSld>
+  <p:clrMapOvr>
+    <a:masterClrMapping/>
+  </p:clrMapOvr>
+</p:notes>
+</file>
+
+<file path=ppt/notesSlides/notesSlide3.xml><?xml version="1.0" encoding="utf-8"?>
 <p:notes xmlns:a="http://schemas.openxmlformats.org/drawingml/2006/main" xmlns:r="http://schemas.openxmlformats.org/officeDocument/2006/relationships" xmlns:p="http://schemas.openxmlformats.org/presentationml/2006/main" showMasterSp="0" showMasterPhAnim="0">
   <p:cSld>
     <p:spTree>
@@ -10225,6 +10707,311 @@
           <p:cNvPr id="2" name="Title 1">
             <a:extLst>
               <a:ext uri="{FF2B5EF4-FFF2-40B4-BE49-F238E27FC236}">
+                <a16:creationId xmlns:a16="http://schemas.microsoft.com/office/drawing/2014/main" id="{D32E6053-C9B3-435E-8EC6-A2A23AD1F5A6}"/>
+              </a:ext>
+            </a:extLst>
+          </p:cNvPr>
+          <p:cNvSpPr>
+            <a:spLocks noGrp="1"/>
+          </p:cNvSpPr>
+          <p:nvPr>
+            <p:ph type="title"/>
+          </p:nvPr>
+        </p:nvSpPr>
+        <p:spPr/>
+        <p:txBody>
+          <a:bodyPr/>
+          <a:lstStyle/>
+          <a:p>
+            <a:r>
+              <a:rPr lang="en-US" dirty="0"/>
+              <a:t>Demo</a:t>
+            </a:r>
+          </a:p>
+        </p:txBody>
+      </p:sp>
+      <p:sp>
+        <p:nvSpPr>
+          <p:cNvPr id="3" name="Content Placeholder 2">
+            <a:extLst>
+              <a:ext uri="{FF2B5EF4-FFF2-40B4-BE49-F238E27FC236}">
+                <a16:creationId xmlns:a16="http://schemas.microsoft.com/office/drawing/2014/main" id="{0456D43E-141B-4CDB-B599-C445FBA2B46C}"/>
+              </a:ext>
+            </a:extLst>
+          </p:cNvPr>
+          <p:cNvSpPr>
+            <a:spLocks noGrp="1"/>
+          </p:cNvSpPr>
+          <p:nvPr>
+            <p:ph idx="1"/>
+          </p:nvPr>
+        </p:nvSpPr>
+        <p:spPr/>
+        <p:txBody>
+          <a:bodyPr/>
+          <a:lstStyle/>
+          <a:p>
+            <a:r>
+              <a:rPr lang="en-US" dirty="0"/>
+              <a:t>https://slackers-ml.herokuapp.com/</a:t>
+            </a:r>
+          </a:p>
+        </p:txBody>
+      </p:sp>
+    </p:spTree>
+    <p:extLst>
+      <p:ext uri="{BB962C8B-B14F-4D97-AF65-F5344CB8AC3E}">
+        <p14:creationId xmlns:p14="http://schemas.microsoft.com/office/powerpoint/2010/main" val="2609616835"/>
+      </p:ext>
+    </p:extLst>
+  </p:cSld>
+  <p:clrMapOvr>
+    <a:masterClrMapping/>
+  </p:clrMapOvr>
+</p:sld>
+</file>
+
+<file path=ppt/slides/slide11.xml><?xml version="1.0" encoding="utf-8"?>
+<p:sld xmlns:a="http://schemas.openxmlformats.org/drawingml/2006/main" xmlns:r="http://schemas.openxmlformats.org/officeDocument/2006/relationships" xmlns:p="http://schemas.openxmlformats.org/presentationml/2006/main">
+  <p:cSld>
+    <p:spTree>
+      <p:nvGrpSpPr>
+        <p:cNvPr id="1" name=""/>
+        <p:cNvGrpSpPr/>
+        <p:nvPr/>
+      </p:nvGrpSpPr>
+      <p:grpSpPr>
+        <a:xfrm>
+          <a:off x="0" y="0"/>
+          <a:ext cx="0" cy="0"/>
+          <a:chOff x="0" y="0"/>
+          <a:chExt cx="0" cy="0"/>
+        </a:xfrm>
+      </p:grpSpPr>
+      <p:sp>
+        <p:nvSpPr>
+          <p:cNvPr id="2" name="Title 1">
+            <a:extLst>
+              <a:ext uri="{FF2B5EF4-FFF2-40B4-BE49-F238E27FC236}">
+                <a16:creationId xmlns:a16="http://schemas.microsoft.com/office/drawing/2014/main" id="{A85421D3-BA27-4DA3-B7D7-E675A322378C}"/>
+              </a:ext>
+            </a:extLst>
+          </p:cNvPr>
+          <p:cNvSpPr>
+            <a:spLocks noGrp="1"/>
+          </p:cNvSpPr>
+          <p:nvPr>
+            <p:ph type="title"/>
+          </p:nvPr>
+        </p:nvSpPr>
+        <p:spPr>
+          <a:xfrm>
+            <a:off x="677335" y="609600"/>
+            <a:ext cx="8596668" cy="1296761"/>
+          </a:xfrm>
+        </p:spPr>
+        <p:txBody>
+          <a:bodyPr/>
+          <a:lstStyle/>
+          <a:p>
+            <a:r>
+              <a:rPr lang="en-US" b="1" i="0" dirty="0">
+                <a:effectLst/>
+                <a:latin typeface="-apple-system"/>
+              </a:rPr>
+              <a:t>Solution</a:t>
+            </a:r>
+            <a:endParaRPr lang="en-US" dirty="0"/>
+          </a:p>
+        </p:txBody>
+      </p:sp>
+      <p:sp>
+        <p:nvSpPr>
+          <p:cNvPr id="3" name="Text Placeholder 2">
+            <a:extLst>
+              <a:ext uri="{FF2B5EF4-FFF2-40B4-BE49-F238E27FC236}">
+                <a16:creationId xmlns:a16="http://schemas.microsoft.com/office/drawing/2014/main" id="{3D12A1C5-2CB1-4EDA-84C1-22C256EA9E02}"/>
+              </a:ext>
+            </a:extLst>
+          </p:cNvPr>
+          <p:cNvSpPr>
+            <a:spLocks noGrp="1"/>
+          </p:cNvSpPr>
+          <p:nvPr>
+            <p:ph type="body" idx="1"/>
+          </p:nvPr>
+        </p:nvSpPr>
+        <p:spPr>
+          <a:xfrm>
+            <a:off x="677335" y="1906361"/>
+            <a:ext cx="8596668" cy="4269921"/>
+          </a:xfrm>
+        </p:spPr>
+        <p:txBody>
+          <a:bodyPr>
+            <a:normAutofit fontScale="85000" lnSpcReduction="10000"/>
+          </a:bodyPr>
+          <a:lstStyle/>
+          <a:p>
+            <a:pPr algn="l"/>
+            <a:r>
+              <a:rPr lang="en-US" b="1" i="0" dirty="0">
+                <a:effectLst/>
+                <a:latin typeface="-apple-system"/>
+              </a:rPr>
+              <a:t>Solution approach</a:t>
+            </a:r>
+          </a:p>
+          <a:p>
+            <a:pPr algn="l"/>
+            <a:r>
+              <a:rPr lang="en-US" b="0" i="0" dirty="0">
+                <a:effectLst/>
+                <a:latin typeface="-apple-system"/>
+              </a:rPr>
+              <a:t>This is a supervised classification problem since we are using existing features and target variable to first train the model on a subset of data and then evaluate the model's performance on the test data. We would pick the model that best meets the criteria of accuracy and performance. We are trying to predict if a loan request from a customer will default.</a:t>
+            </a:r>
+          </a:p>
+          <a:p>
+            <a:pPr algn="l"/>
+            <a:r>
+              <a:rPr lang="en-US" b="1" i="0" dirty="0">
+                <a:effectLst/>
+                <a:latin typeface="-apple-system"/>
+              </a:rPr>
+              <a:t>Value to JP Morgan</a:t>
+            </a:r>
+          </a:p>
+          <a:p>
+            <a:pPr algn="l"/>
+            <a:r>
+              <a:rPr lang="en-US" b="0" i="0" dirty="0">
+                <a:effectLst/>
+                <a:latin typeface="-apple-system"/>
+              </a:rPr>
+              <a:t>The consumer lending line of business @ JPMC is in the business of lending money to customers for loans, credit cards, mortgage, etc. and a model like this which can predict potential defaults would be immensely helpful in making lending decisions, Also help JPMC to identify and train their customers for credit discipline.</a:t>
+            </a:r>
+          </a:p>
+          <a:p>
+            <a:pPr algn="l"/>
+            <a:r>
+              <a:rPr lang="en-US" b="1" i="0" dirty="0">
+                <a:effectLst/>
+                <a:latin typeface="-apple-system"/>
+              </a:rPr>
+              <a:t>Aim of the project</a:t>
+            </a:r>
+          </a:p>
+          <a:p>
+            <a:pPr algn="l"/>
+            <a:r>
+              <a:rPr lang="en-US" b="0" i="0" dirty="0">
+                <a:effectLst/>
+                <a:latin typeface="-apple-system"/>
+              </a:rPr>
+              <a:t>Use the data to come up with a classification model, to approve or reject the application. Eventually build a scalable, repeatable service to give live classification decisions.</a:t>
+            </a:r>
+          </a:p>
+          <a:p>
+            <a:pPr algn="l"/>
+            <a:r>
+              <a:rPr lang="en-US" b="1" i="0" dirty="0">
+                <a:effectLst/>
+                <a:latin typeface="-apple-system"/>
+              </a:rPr>
+              <a:t>Plan for deliverables</a:t>
+            </a:r>
+          </a:p>
+          <a:p>
+            <a:pPr algn="l"/>
+            <a:r>
+              <a:rPr lang="en-US" b="0" i="0" dirty="0">
+                <a:effectLst/>
+                <a:latin typeface="-apple-system"/>
+              </a:rPr>
+              <a:t>All code and analysis will be </a:t>
+            </a:r>
+            <a:r>
+              <a:rPr lang="en-US" b="0" i="0" dirty="0" err="1">
+                <a:effectLst/>
+                <a:latin typeface="-apple-system"/>
+              </a:rPr>
+              <a:t>checkin</a:t>
+            </a:r>
+            <a:r>
+              <a:rPr lang="en-US" b="0" i="0" dirty="0">
+                <a:effectLst/>
+                <a:latin typeface="-apple-system"/>
+              </a:rPr>
+              <a:t> in </a:t>
+            </a:r>
+            <a:r>
+              <a:rPr lang="en-US" b="0" i="0" dirty="0" err="1">
+                <a:effectLst/>
+                <a:latin typeface="-apple-system"/>
+              </a:rPr>
+              <a:t>github</a:t>
+            </a:r>
+            <a:r>
+              <a:rPr lang="en-US" b="0" i="0" dirty="0">
+                <a:effectLst/>
+                <a:latin typeface="-apple-system"/>
+              </a:rPr>
+              <a:t>: </a:t>
+            </a:r>
+            <a:r>
+              <a:rPr lang="en-US" b="0" i="0" u="none" strike="noStrike" dirty="0">
+                <a:effectLst/>
+                <a:latin typeface="-apple-system"/>
+                <a:hlinkClick r:id="rId2"/>
+              </a:rPr>
+              <a:t>https://github.com/amoghugupte/Slackers-Capstone</a:t>
+            </a:r>
+            <a:endParaRPr lang="en-US" b="0" i="0" dirty="0">
+              <a:effectLst/>
+              <a:latin typeface="-apple-system"/>
+            </a:endParaRPr>
+          </a:p>
+          <a:p>
+            <a:endParaRPr lang="en-US" dirty="0"/>
+          </a:p>
+        </p:txBody>
+      </p:sp>
+    </p:spTree>
+    <p:extLst>
+      <p:ext uri="{BB962C8B-B14F-4D97-AF65-F5344CB8AC3E}">
+        <p14:creationId xmlns:p14="http://schemas.microsoft.com/office/powerpoint/2010/main" val="1172625921"/>
+      </p:ext>
+    </p:extLst>
+  </p:cSld>
+  <p:clrMapOvr>
+    <a:masterClrMapping/>
+  </p:clrMapOvr>
+</p:sld>
+</file>
+
+<file path=ppt/slides/slide12.xml><?xml version="1.0" encoding="utf-8"?>
+<p:sld xmlns:a="http://schemas.openxmlformats.org/drawingml/2006/main" xmlns:r="http://schemas.openxmlformats.org/officeDocument/2006/relationships" xmlns:p="http://schemas.openxmlformats.org/presentationml/2006/main">
+  <p:cSld>
+    <p:spTree>
+      <p:nvGrpSpPr>
+        <p:cNvPr id="1" name=""/>
+        <p:cNvGrpSpPr/>
+        <p:nvPr/>
+      </p:nvGrpSpPr>
+      <p:grpSpPr>
+        <a:xfrm>
+          <a:off x="0" y="0"/>
+          <a:ext cx="0" cy="0"/>
+          <a:chOff x="0" y="0"/>
+          <a:chExt cx="0" cy="0"/>
+        </a:xfrm>
+      </p:grpSpPr>
+      <p:sp>
+        <p:nvSpPr>
+          <p:cNvPr id="2" name="Title 1">
+            <a:extLst>
+              <a:ext uri="{FF2B5EF4-FFF2-40B4-BE49-F238E27FC236}">
                 <a16:creationId xmlns:a16="http://schemas.microsoft.com/office/drawing/2014/main" id="{AE5F1B6C-20FF-4B6E-9CD8-6AA27421EAC4}"/>
               </a:ext>
             </a:extLst>
@@ -10402,311 +11189,6 @@
 </p:sld>
 </file>
 
-<file path=ppt/slides/slide11.xml><?xml version="1.0" encoding="utf-8"?>
-<p:sld xmlns:a="http://schemas.openxmlformats.org/drawingml/2006/main" xmlns:r="http://schemas.openxmlformats.org/officeDocument/2006/relationships" xmlns:p="http://schemas.openxmlformats.org/presentationml/2006/main">
-  <p:cSld>
-    <p:spTree>
-      <p:nvGrpSpPr>
-        <p:cNvPr id="1" name=""/>
-        <p:cNvGrpSpPr/>
-        <p:nvPr/>
-      </p:nvGrpSpPr>
-      <p:grpSpPr>
-        <a:xfrm>
-          <a:off x="0" y="0"/>
-          <a:ext cx="0" cy="0"/>
-          <a:chOff x="0" y="0"/>
-          <a:chExt cx="0" cy="0"/>
-        </a:xfrm>
-      </p:grpSpPr>
-      <p:sp>
-        <p:nvSpPr>
-          <p:cNvPr id="2" name="Title 1">
-            <a:extLst>
-              <a:ext uri="{FF2B5EF4-FFF2-40B4-BE49-F238E27FC236}">
-                <a16:creationId xmlns:a16="http://schemas.microsoft.com/office/drawing/2014/main" id="{A85421D3-BA27-4DA3-B7D7-E675A322378C}"/>
-              </a:ext>
-            </a:extLst>
-          </p:cNvPr>
-          <p:cNvSpPr>
-            <a:spLocks noGrp="1"/>
-          </p:cNvSpPr>
-          <p:nvPr>
-            <p:ph type="title"/>
-          </p:nvPr>
-        </p:nvSpPr>
-        <p:spPr>
-          <a:xfrm>
-            <a:off x="677335" y="609600"/>
-            <a:ext cx="8596668" cy="1296761"/>
-          </a:xfrm>
-        </p:spPr>
-        <p:txBody>
-          <a:bodyPr/>
-          <a:lstStyle/>
-          <a:p>
-            <a:r>
-              <a:rPr lang="en-US" b="1" i="0" dirty="0">
-                <a:effectLst/>
-                <a:latin typeface="-apple-system"/>
-              </a:rPr>
-              <a:t>Solution</a:t>
-            </a:r>
-            <a:endParaRPr lang="en-US" dirty="0"/>
-          </a:p>
-        </p:txBody>
-      </p:sp>
-      <p:sp>
-        <p:nvSpPr>
-          <p:cNvPr id="3" name="Text Placeholder 2">
-            <a:extLst>
-              <a:ext uri="{FF2B5EF4-FFF2-40B4-BE49-F238E27FC236}">
-                <a16:creationId xmlns:a16="http://schemas.microsoft.com/office/drawing/2014/main" id="{3D12A1C5-2CB1-4EDA-84C1-22C256EA9E02}"/>
-              </a:ext>
-            </a:extLst>
-          </p:cNvPr>
-          <p:cNvSpPr>
-            <a:spLocks noGrp="1"/>
-          </p:cNvSpPr>
-          <p:nvPr>
-            <p:ph type="body" idx="1"/>
-          </p:nvPr>
-        </p:nvSpPr>
-        <p:spPr>
-          <a:xfrm>
-            <a:off x="677335" y="1906361"/>
-            <a:ext cx="8596668" cy="4269921"/>
-          </a:xfrm>
-        </p:spPr>
-        <p:txBody>
-          <a:bodyPr>
-            <a:normAutofit fontScale="85000" lnSpcReduction="10000"/>
-          </a:bodyPr>
-          <a:lstStyle/>
-          <a:p>
-            <a:pPr algn="l"/>
-            <a:r>
-              <a:rPr lang="en-US" b="1" i="0" dirty="0">
-                <a:effectLst/>
-                <a:latin typeface="-apple-system"/>
-              </a:rPr>
-              <a:t>Solution approach</a:t>
-            </a:r>
-          </a:p>
-          <a:p>
-            <a:pPr algn="l"/>
-            <a:r>
-              <a:rPr lang="en-US" b="0" i="0" dirty="0">
-                <a:effectLst/>
-                <a:latin typeface="-apple-system"/>
-              </a:rPr>
-              <a:t>This is a supervised classification problem since we are using existing features and target variable to first train the model on a subset of data and then evaluate the model's performance on the test data. We would pick the model that best meets the criteria of accuracy and performance. We are trying to predict if a loan request from a customer will default.</a:t>
-            </a:r>
-          </a:p>
-          <a:p>
-            <a:pPr algn="l"/>
-            <a:r>
-              <a:rPr lang="en-US" b="1" i="0" dirty="0">
-                <a:effectLst/>
-                <a:latin typeface="-apple-system"/>
-              </a:rPr>
-              <a:t>Value to JP Morgan</a:t>
-            </a:r>
-          </a:p>
-          <a:p>
-            <a:pPr algn="l"/>
-            <a:r>
-              <a:rPr lang="en-US" b="0" i="0" dirty="0">
-                <a:effectLst/>
-                <a:latin typeface="-apple-system"/>
-              </a:rPr>
-              <a:t>The consumer lending line of business @ JPMC is in the business of lending money to customers for loans, credit cards, mortgage, etc. and a model like this which can predict potential defaults would be immensely helpful in making lending decisions, Also help JPMC to identify and train their customers for credit discipline.</a:t>
-            </a:r>
-          </a:p>
-          <a:p>
-            <a:pPr algn="l"/>
-            <a:r>
-              <a:rPr lang="en-US" b="1" i="0" dirty="0">
-                <a:effectLst/>
-                <a:latin typeface="-apple-system"/>
-              </a:rPr>
-              <a:t>Aim of the project</a:t>
-            </a:r>
-          </a:p>
-          <a:p>
-            <a:pPr algn="l"/>
-            <a:r>
-              <a:rPr lang="en-US" b="0" i="0" dirty="0">
-                <a:effectLst/>
-                <a:latin typeface="-apple-system"/>
-              </a:rPr>
-              <a:t>Use the data to come up with a classification model, to approve or reject the application. Eventually build a scalable, repeatable service to give live classification decisions.</a:t>
-            </a:r>
-          </a:p>
-          <a:p>
-            <a:pPr algn="l"/>
-            <a:r>
-              <a:rPr lang="en-US" b="1" i="0" dirty="0">
-                <a:effectLst/>
-                <a:latin typeface="-apple-system"/>
-              </a:rPr>
-              <a:t>Plan for deliverables</a:t>
-            </a:r>
-          </a:p>
-          <a:p>
-            <a:pPr algn="l"/>
-            <a:r>
-              <a:rPr lang="en-US" b="0" i="0" dirty="0">
-                <a:effectLst/>
-                <a:latin typeface="-apple-system"/>
-              </a:rPr>
-              <a:t>All code and analysis will be </a:t>
-            </a:r>
-            <a:r>
-              <a:rPr lang="en-US" b="0" i="0" dirty="0" err="1">
-                <a:effectLst/>
-                <a:latin typeface="-apple-system"/>
-              </a:rPr>
-              <a:t>checkin</a:t>
-            </a:r>
-            <a:r>
-              <a:rPr lang="en-US" b="0" i="0" dirty="0">
-                <a:effectLst/>
-                <a:latin typeface="-apple-system"/>
-              </a:rPr>
-              <a:t> in </a:t>
-            </a:r>
-            <a:r>
-              <a:rPr lang="en-US" b="0" i="0" dirty="0" err="1">
-                <a:effectLst/>
-                <a:latin typeface="-apple-system"/>
-              </a:rPr>
-              <a:t>github</a:t>
-            </a:r>
-            <a:r>
-              <a:rPr lang="en-US" b="0" i="0" dirty="0">
-                <a:effectLst/>
-                <a:latin typeface="-apple-system"/>
-              </a:rPr>
-              <a:t>: </a:t>
-            </a:r>
-            <a:r>
-              <a:rPr lang="en-US" b="0" i="0" u="none" strike="noStrike" dirty="0">
-                <a:effectLst/>
-                <a:latin typeface="-apple-system"/>
-                <a:hlinkClick r:id="rId2"/>
-              </a:rPr>
-              <a:t>https://github.com/amoghugupte/Slackers-Capstone</a:t>
-            </a:r>
-            <a:endParaRPr lang="en-US" b="0" i="0" dirty="0">
-              <a:effectLst/>
-              <a:latin typeface="-apple-system"/>
-            </a:endParaRPr>
-          </a:p>
-          <a:p>
-            <a:endParaRPr lang="en-US" dirty="0"/>
-          </a:p>
-        </p:txBody>
-      </p:sp>
-    </p:spTree>
-    <p:extLst>
-      <p:ext uri="{BB962C8B-B14F-4D97-AF65-F5344CB8AC3E}">
-        <p14:creationId xmlns:p14="http://schemas.microsoft.com/office/powerpoint/2010/main" val="1172625921"/>
-      </p:ext>
-    </p:extLst>
-  </p:cSld>
-  <p:clrMapOvr>
-    <a:masterClrMapping/>
-  </p:clrMapOvr>
-</p:sld>
-</file>
-
-<file path=ppt/slides/slide12.xml><?xml version="1.0" encoding="utf-8"?>
-<p:sld xmlns:a="http://schemas.openxmlformats.org/drawingml/2006/main" xmlns:r="http://schemas.openxmlformats.org/officeDocument/2006/relationships" xmlns:p="http://schemas.openxmlformats.org/presentationml/2006/main">
-  <p:cSld>
-    <p:spTree>
-      <p:nvGrpSpPr>
-        <p:cNvPr id="1" name=""/>
-        <p:cNvGrpSpPr/>
-        <p:nvPr/>
-      </p:nvGrpSpPr>
-      <p:grpSpPr>
-        <a:xfrm>
-          <a:off x="0" y="0"/>
-          <a:ext cx="0" cy="0"/>
-          <a:chOff x="0" y="0"/>
-          <a:chExt cx="0" cy="0"/>
-        </a:xfrm>
-      </p:grpSpPr>
-      <p:sp>
-        <p:nvSpPr>
-          <p:cNvPr id="2" name="Title 1">
-            <a:extLst>
-              <a:ext uri="{FF2B5EF4-FFF2-40B4-BE49-F238E27FC236}">
-                <a16:creationId xmlns:a16="http://schemas.microsoft.com/office/drawing/2014/main" id="{D32E6053-C9B3-435E-8EC6-A2A23AD1F5A6}"/>
-              </a:ext>
-            </a:extLst>
-          </p:cNvPr>
-          <p:cNvSpPr>
-            <a:spLocks noGrp="1"/>
-          </p:cNvSpPr>
-          <p:nvPr>
-            <p:ph type="title"/>
-          </p:nvPr>
-        </p:nvSpPr>
-        <p:spPr/>
-        <p:txBody>
-          <a:bodyPr/>
-          <a:lstStyle/>
-          <a:p>
-            <a:r>
-              <a:rPr lang="en-US" dirty="0"/>
-              <a:t>DON’T FORGET TO INSERT DEMO CLIP</a:t>
-            </a:r>
-          </a:p>
-        </p:txBody>
-      </p:sp>
-      <p:sp>
-        <p:nvSpPr>
-          <p:cNvPr id="3" name="Content Placeholder 2">
-            <a:extLst>
-              <a:ext uri="{FF2B5EF4-FFF2-40B4-BE49-F238E27FC236}">
-                <a16:creationId xmlns:a16="http://schemas.microsoft.com/office/drawing/2014/main" id="{0456D43E-141B-4CDB-B599-C445FBA2B46C}"/>
-              </a:ext>
-            </a:extLst>
-          </p:cNvPr>
-          <p:cNvSpPr>
-            <a:spLocks noGrp="1"/>
-          </p:cNvSpPr>
-          <p:nvPr>
-            <p:ph idx="1"/>
-          </p:nvPr>
-        </p:nvSpPr>
-        <p:spPr/>
-        <p:txBody>
-          <a:bodyPr/>
-          <a:lstStyle/>
-          <a:p>
-            <a:r>
-              <a:rPr lang="en-US" dirty="0"/>
-              <a:t>INSERT DEMO CLIP!!!!!!!!!</a:t>
-            </a:r>
-          </a:p>
-        </p:txBody>
-      </p:sp>
-    </p:spTree>
-    <p:extLst>
-      <p:ext uri="{BB962C8B-B14F-4D97-AF65-F5344CB8AC3E}">
-        <p14:creationId xmlns:p14="http://schemas.microsoft.com/office/powerpoint/2010/main" val="2609616835"/>
-      </p:ext>
-    </p:extLst>
-  </p:cSld>
-  <p:clrMapOvr>
-    <a:masterClrMapping/>
-  </p:clrMapOvr>
-</p:sld>
-</file>
-
 <file path=ppt/slides/slide13.xml><?xml version="1.0" encoding="utf-8"?>
 <p:sld xmlns:a="http://schemas.openxmlformats.org/drawingml/2006/main" xmlns:r="http://schemas.openxmlformats.org/officeDocument/2006/relationships" xmlns:p="http://schemas.openxmlformats.org/presentationml/2006/main">
   <p:cSld>
@@ -10729,7 +11211,7 @@
           <p:cNvPr id="2" name="Title 1">
             <a:extLst>
               <a:ext uri="{FF2B5EF4-FFF2-40B4-BE49-F238E27FC236}">
-                <a16:creationId xmlns:a16="http://schemas.microsoft.com/office/drawing/2014/main" id="{24002F7D-E4BD-4EB3-8EC2-386CEA586CD1}"/>
+                <a16:creationId xmlns:a16="http://schemas.microsoft.com/office/drawing/2014/main" id="{E2BAACAB-E7C3-4710-8809-F6C205579C52}"/>
               </a:ext>
             </a:extLst>
           </p:cNvPr>
@@ -10740,24 +11222,61 @@
             <p:ph type="title"/>
           </p:nvPr>
         </p:nvSpPr>
-        <p:spPr/>
+        <p:spPr>
+          <a:xfrm>
+            <a:off x="677335" y="609600"/>
+            <a:ext cx="8596668" cy="782411"/>
+          </a:xfrm>
+        </p:spPr>
         <p:txBody>
-          <a:bodyPr/>
+          <a:bodyPr>
+            <a:normAutofit/>
+          </a:bodyPr>
           <a:lstStyle/>
           <a:p>
             <a:r>
-              <a:rPr lang="en-US" dirty="0"/>
-              <a:t>Model Selection</a:t>
+              <a:rPr lang="en-US" sz="2800" dirty="0"/>
+              <a:t>EDA and Preprocessing</a:t>
             </a:r>
           </a:p>
         </p:txBody>
       </p:sp>
+      <p:pic>
+        <p:nvPicPr>
+          <p:cNvPr id="7" name="Picture 6">
+            <a:extLst>
+              <a:ext uri="{FF2B5EF4-FFF2-40B4-BE49-F238E27FC236}">
+                <a16:creationId xmlns:a16="http://schemas.microsoft.com/office/drawing/2014/main" id="{30CE53A5-6576-4383-8E1B-188050E132FE}"/>
+              </a:ext>
+            </a:extLst>
+          </p:cNvPr>
+          <p:cNvPicPr>
+            <a:picLocks noChangeAspect="1"/>
+          </p:cNvPicPr>
+          <p:nvPr/>
+        </p:nvPicPr>
+        <p:blipFill>
+          <a:blip r:embed="rId2"/>
+          <a:stretch>
+            <a:fillRect/>
+          </a:stretch>
+        </p:blipFill>
+        <p:spPr>
+          <a:xfrm>
+            <a:off x="4104209" y="1289784"/>
+            <a:ext cx="3191049" cy="2902949"/>
+          </a:xfrm>
+          <a:prstGeom prst="rect">
+            <a:avLst/>
+          </a:prstGeom>
+        </p:spPr>
+      </p:pic>
       <p:sp>
         <p:nvSpPr>
-          <p:cNvPr id="4" name="TextBox 3">
+          <p:cNvPr id="8" name="TextBox 7">
             <a:extLst>
               <a:ext uri="{FF2B5EF4-FFF2-40B4-BE49-F238E27FC236}">
-                <a16:creationId xmlns:a16="http://schemas.microsoft.com/office/drawing/2014/main" id="{1F4531EE-D7D6-49AA-9985-0151E3E5E297}"/>
+                <a16:creationId xmlns:a16="http://schemas.microsoft.com/office/drawing/2014/main" id="{F406B99F-2082-4F51-92FB-31135E66B0F3}"/>
               </a:ext>
             </a:extLst>
           </p:cNvPr>
@@ -10766,156 +11285,8 @@
         </p:nvSpPr>
         <p:spPr>
           <a:xfrm>
-            <a:off x="759417" y="4473241"/>
-            <a:ext cx="9608949" cy="2123658"/>
-          </a:xfrm>
-          <a:prstGeom prst="rect">
-            <a:avLst/>
-          </a:prstGeom>
-          <a:noFill/>
-        </p:spPr>
-        <p:txBody>
-          <a:bodyPr wrap="square">
-            <a:spAutoFit/>
-          </a:bodyPr>
-          <a:lstStyle/>
-          <a:p>
-            <a:r>
-              <a:rPr lang="en-US" sz="1200" dirty="0"/>
-              <a:t>Comparing our chosen model to the baseline (marking all applicants as not default):</a:t>
-            </a:r>
-          </a:p>
-          <a:p>
-            <a:endParaRPr lang="en-US" sz="1200" dirty="0"/>
-          </a:p>
-          <a:p>
-            <a:r>
-              <a:rPr lang="en-US" sz="1200" dirty="0"/>
-              <a:t>Baseline Accuracy Score : 0.9159</a:t>
-            </a:r>
-          </a:p>
-          <a:p>
-            <a:r>
-              <a:rPr lang="en-US" sz="1200" dirty="0"/>
-              <a:t>Our Best Accuracy Score : 0.91527</a:t>
-            </a:r>
-          </a:p>
-          <a:p>
-            <a:endParaRPr lang="en-US" sz="1200" dirty="0"/>
-          </a:p>
-          <a:p>
-            <a:r>
-              <a:rPr lang="en-US" sz="1200" dirty="0"/>
-              <a:t>Baseline Recall Score : 0.0</a:t>
-            </a:r>
-          </a:p>
-          <a:p>
-            <a:r>
-              <a:rPr lang="en-US" sz="1200" dirty="0"/>
-              <a:t>Model Recall Score : 0.0027</a:t>
-            </a:r>
-          </a:p>
-          <a:p>
-            <a:r>
-              <a:rPr lang="en-US" sz="1200" dirty="0"/>
-              <a:t>Baseline Recall Score Default : 0.0</a:t>
-            </a:r>
-          </a:p>
-          <a:p>
-            <a:r>
-              <a:rPr lang="en-US" sz="1200" dirty="0"/>
-              <a:t>Model Recall Score Default : 1.0</a:t>
-            </a:r>
-          </a:p>
-          <a:p>
-            <a:endParaRPr lang="en-US" sz="1200" dirty="0"/>
-          </a:p>
-          <a:p>
-            <a:r>
-              <a:rPr lang="en-US" sz="1200" dirty="0"/>
-              <a:t>As it can be seen our model gives considerable improvements over the baseline for defaulter case.</a:t>
-            </a:r>
-          </a:p>
-        </p:txBody>
-      </p:sp>
-      <p:sp>
-        <p:nvSpPr>
-          <p:cNvPr id="5" name="TextBox 4">
-            <a:extLst>
-              <a:ext uri="{FF2B5EF4-FFF2-40B4-BE49-F238E27FC236}">
-                <a16:creationId xmlns:a16="http://schemas.microsoft.com/office/drawing/2014/main" id="{ECDD49AE-DFF8-42F3-8409-744738DDB38D}"/>
-              </a:ext>
-            </a:extLst>
-          </p:cNvPr>
-          <p:cNvSpPr txBox="1"/>
-          <p:nvPr/>
-        </p:nvSpPr>
-        <p:spPr>
-          <a:xfrm>
-            <a:off x="677335" y="1530457"/>
-            <a:ext cx="10163729" cy="1384995"/>
-          </a:xfrm>
-          <a:prstGeom prst="rect">
-            <a:avLst/>
-          </a:prstGeom>
-          <a:noFill/>
-        </p:spPr>
-        <p:txBody>
-          <a:bodyPr wrap="square" rtlCol="0">
-            <a:spAutoFit/>
-          </a:bodyPr>
-          <a:lstStyle/>
-          <a:p>
-            <a:r>
-              <a:rPr lang="en-US" sz="1200" dirty="0"/>
-              <a:t>With our project:</a:t>
-            </a:r>
-          </a:p>
-          <a:p>
-            <a:r>
-              <a:rPr lang="en-US" sz="1200" dirty="0"/>
-              <a:t>- A false positive will mean that the firm will lose the business of a potential 'good' client.</a:t>
-            </a:r>
-          </a:p>
-          <a:p>
-            <a:r>
-              <a:rPr lang="en-US" sz="1200" dirty="0"/>
-              <a:t>- A false negative will result in the firm losing money due to loaning to a defaulter client.</a:t>
-            </a:r>
-          </a:p>
-          <a:p>
-            <a:r>
-              <a:rPr lang="en-US" sz="1200" dirty="0"/>
-              <a:t>From the above we believe that a false negative will have a higher impact to model performance. We have compared the below models and come up with Random Forest model as it will give us the best recall for defaulters in test data.</a:t>
-            </a:r>
-          </a:p>
-          <a:p>
-            <a:r>
-              <a:rPr lang="en-US" sz="1200" dirty="0"/>
-              <a:t>KNN also has the same recall, but it has a higher false positive rate than Random Forest.</a:t>
-            </a:r>
-          </a:p>
-          <a:p>
-            <a:endParaRPr lang="en-US" sz="1200" dirty="0"/>
-          </a:p>
-        </p:txBody>
-      </p:sp>
-      <p:sp>
-        <p:nvSpPr>
-          <p:cNvPr id="6" name="TextBox 5">
-            <a:extLst>
-              <a:ext uri="{FF2B5EF4-FFF2-40B4-BE49-F238E27FC236}">
-                <a16:creationId xmlns:a16="http://schemas.microsoft.com/office/drawing/2014/main" id="{12D8388F-D8A2-40ED-B041-8EB613D6E639}"/>
-              </a:ext>
-            </a:extLst>
-          </p:cNvPr>
-          <p:cNvSpPr txBox="1"/>
-          <p:nvPr/>
-        </p:nvSpPr>
-        <p:spPr>
-          <a:xfrm>
-            <a:off x="867905" y="4986580"/>
-            <a:ext cx="184731" cy="369332"/>
+            <a:off x="1998860" y="2049362"/>
+            <a:ext cx="2476960" cy="646331"/>
           </a:xfrm>
           <a:prstGeom prst="rect">
             <a:avLst/>
@@ -10928,16 +11299,25 @@
           </a:bodyPr>
           <a:lstStyle/>
           <a:p>
-            <a:endParaRPr lang="en-US" dirty="0"/>
+            <a:r>
+              <a:rPr lang="en-US" dirty="0"/>
+              <a:t>The data was skewed:</a:t>
+            </a:r>
+          </a:p>
+          <a:p>
+            <a:r>
+              <a:rPr lang="en-US" dirty="0"/>
+              <a:t>target</a:t>
+            </a:r>
           </a:p>
         </p:txBody>
       </p:sp>
       <p:graphicFrame>
         <p:nvGraphicFramePr>
-          <p:cNvPr id="7" name="Table 6">
+          <p:cNvPr id="11" name="Table 11">
             <a:extLst>
               <a:ext uri="{FF2B5EF4-FFF2-40B4-BE49-F238E27FC236}">
-                <a16:creationId xmlns:a16="http://schemas.microsoft.com/office/drawing/2014/main" id="{F226B272-48F1-4317-9425-485E0CEAE930}"/>
+                <a16:creationId xmlns:a16="http://schemas.microsoft.com/office/drawing/2014/main" id="{679F2464-4FD0-42B9-9206-6CAECF184495}"/>
               </a:ext>
             </a:extLst>
           </p:cNvPr>
@@ -10947,1216 +11327,133 @@
           <p:nvPr>
             <p:extLst>
               <p:ext uri="{D42A27DB-BD31-4B8C-83A1-F6EECF244321}">
-                <p14:modId xmlns:p14="http://schemas.microsoft.com/office/powerpoint/2010/main" val="108077229"/>
+                <p14:modId xmlns:p14="http://schemas.microsoft.com/office/powerpoint/2010/main" val="1461248067"/>
               </p:ext>
             </p:extLst>
           </p:nvPr>
         </p:nvGraphicFramePr>
         <p:xfrm>
-          <a:off x="705173" y="2808609"/>
-          <a:ext cx="8847163" cy="1504635"/>
+          <a:off x="2067955" y="2708116"/>
+          <a:ext cx="1596420" cy="762000"/>
         </p:xfrm>
         <a:graphic>
           <a:graphicData uri="http://schemas.openxmlformats.org/drawingml/2006/table">
             <a:tbl>
-              <a:tblPr>
-                <a:tableStyleId>{B301B821-A1FF-4177-AEE7-76D212191A09}</a:tableStyleId>
+              <a:tblPr firstRow="1" bandRow="1">
+                <a:tableStyleId>{5C22544A-7EE6-4342-B048-85BDC9FD1C3A}</a:tableStyleId>
               </a:tblPr>
               <a:tblGrid>
-                <a:gridCol w="1180671">
+                <a:gridCol w="798210">
                   <a:extLst>
                     <a:ext uri="{9D8B030D-6E8A-4147-A177-3AD203B41FA5}">
-                      <a16:colId xmlns:a16="http://schemas.microsoft.com/office/drawing/2014/main" val="3717896566"/>
+                      <a16:colId xmlns:a16="http://schemas.microsoft.com/office/drawing/2014/main" val="544260304"/>
                     </a:ext>
                   </a:extLst>
                 </a:gridCol>
-                <a:gridCol w="1212156">
+                <a:gridCol w="798210">
                   <a:extLst>
                     <a:ext uri="{9D8B030D-6E8A-4147-A177-3AD203B41FA5}">
-                      <a16:colId xmlns:a16="http://schemas.microsoft.com/office/drawing/2014/main" val="564724077"/>
-                    </a:ext>
-                  </a:extLst>
-                </a:gridCol>
-                <a:gridCol w="1227898">
-                  <a:extLst>
-                    <a:ext uri="{9D8B030D-6E8A-4147-A177-3AD203B41FA5}">
-                      <a16:colId xmlns:a16="http://schemas.microsoft.com/office/drawing/2014/main" val="501386588"/>
-                    </a:ext>
-                  </a:extLst>
-                </a:gridCol>
-                <a:gridCol w="976021">
-                  <a:extLst>
-                    <a:ext uri="{9D8B030D-6E8A-4147-A177-3AD203B41FA5}">
-                      <a16:colId xmlns:a16="http://schemas.microsoft.com/office/drawing/2014/main" val="3523427292"/>
-                    </a:ext>
-                  </a:extLst>
-                </a:gridCol>
-                <a:gridCol w="1164929">
-                  <a:extLst>
-                    <a:ext uri="{9D8B030D-6E8A-4147-A177-3AD203B41FA5}">
-                      <a16:colId xmlns:a16="http://schemas.microsoft.com/office/drawing/2014/main" val="3565610791"/>
-                    </a:ext>
-                  </a:extLst>
-                </a:gridCol>
-                <a:gridCol w="771372">
-                  <a:extLst>
-                    <a:ext uri="{9D8B030D-6E8A-4147-A177-3AD203B41FA5}">
-                      <a16:colId xmlns:a16="http://schemas.microsoft.com/office/drawing/2014/main" val="4283927158"/>
-                    </a:ext>
-                  </a:extLst>
-                </a:gridCol>
-                <a:gridCol w="771372">
-                  <a:extLst>
-                    <a:ext uri="{9D8B030D-6E8A-4147-A177-3AD203B41FA5}">
-                      <a16:colId xmlns:a16="http://schemas.microsoft.com/office/drawing/2014/main" val="135351590"/>
-                    </a:ext>
-                  </a:extLst>
-                </a:gridCol>
-                <a:gridCol w="771372">
-                  <a:extLst>
-                    <a:ext uri="{9D8B030D-6E8A-4147-A177-3AD203B41FA5}">
-                      <a16:colId xmlns:a16="http://schemas.microsoft.com/office/drawing/2014/main" val="3766096721"/>
-                    </a:ext>
-                  </a:extLst>
-                </a:gridCol>
-                <a:gridCol w="771372">
-                  <a:extLst>
-                    <a:ext uri="{9D8B030D-6E8A-4147-A177-3AD203B41FA5}">
-                      <a16:colId xmlns:a16="http://schemas.microsoft.com/office/drawing/2014/main" val="1200345185"/>
+                      <a16:colId xmlns:a16="http://schemas.microsoft.com/office/drawing/2014/main" val="1907957391"/>
                     </a:ext>
                   </a:extLst>
                 </a:gridCol>
               </a:tblGrid>
-              <a:tr h="300927">
+              <a:tr h="202687">
                 <a:tc>
                   <a:txBody>
                     <a:bodyPr/>
                     <a:lstStyle/>
                     <a:p>
-                      <a:pPr algn="l" fontAlgn="b"/>
                       <a:r>
-                        <a:rPr lang="en-US" sz="1100" u="none" strike="noStrike">
-                          <a:effectLst/>
-                        </a:rPr>
-                        <a:t>Name</a:t>
+                        <a:rPr lang="en-US" sz="800" dirty="0"/>
+                        <a:t>Target</a:t>
                       </a:r>
-                      <a:endParaRPr lang="en-US" sz="1100" b="0" i="0" u="none" strike="noStrike">
-                        <a:solidFill>
-                          <a:srgbClr val="000000"/>
-                        </a:solidFill>
-                        <a:effectLst/>
-                        <a:latin typeface="Calibri" panose="020F0502020204030204" pitchFamily="34" charset="0"/>
-                      </a:endParaRPr>
                     </a:p>
                   </a:txBody>
-                  <a:tcPr marL="4763" marR="4763" marT="4763" marB="0" anchor="b"/>
+                  <a:tcPr/>
                 </a:tc>
                 <a:tc>
                   <a:txBody>
                     <a:bodyPr/>
                     <a:lstStyle/>
                     <a:p>
-                      <a:pPr algn="l" fontAlgn="b"/>
                       <a:r>
-                        <a:rPr lang="en-US" sz="1100" u="none" strike="noStrike">
-                          <a:effectLst/>
-                        </a:rPr>
-                        <a:t>accuracy default</a:t>
+                        <a:rPr lang="en-US" sz="800" dirty="0"/>
+                        <a:t>Count</a:t>
                       </a:r>
-                      <a:endParaRPr lang="en-US" sz="1100" b="0" i="0" u="none" strike="noStrike">
-                        <a:solidFill>
-                          <a:srgbClr val="000000"/>
-                        </a:solidFill>
-                        <a:effectLst/>
-                        <a:latin typeface="Calibri" panose="020F0502020204030204" pitchFamily="34" charset="0"/>
-                      </a:endParaRPr>
                     </a:p>
                   </a:txBody>
-                  <a:tcPr marL="4763" marR="4763" marT="4763" marB="0" anchor="b"/>
+                  <a:tcPr/>
+                </a:tc>
+                <a:extLst>
+                  <a:ext uri="{0D108BD9-81ED-4DB2-BD59-A6C34878D82A}">
+                    <a16:rowId xmlns:a16="http://schemas.microsoft.com/office/drawing/2014/main" val="302701932"/>
+                  </a:ext>
+                </a:extLst>
+              </a:tr>
+              <a:tr h="202687">
+                <a:tc>
+                  <a:txBody>
+                    <a:bodyPr/>
+                    <a:lstStyle/>
+                    <a:p>
+                      <a:r>
+                        <a:rPr lang="en-US" sz="800" dirty="0"/>
+                        <a:t>Not Default (0)</a:t>
+                      </a:r>
+                    </a:p>
+                  </a:txBody>
+                  <a:tcPr/>
                 </a:tc>
                 <a:tc>
                   <a:txBody>
                     <a:bodyPr/>
                     <a:lstStyle/>
                     <a:p>
-                      <a:pPr algn="l" fontAlgn="b"/>
                       <a:r>
-                        <a:rPr lang="en-US" sz="1100" u="none" strike="noStrike">
-                          <a:effectLst/>
-                        </a:rPr>
-                        <a:t>precision default</a:t>
+                        <a:rPr lang="en-US" sz="800" dirty="0"/>
+                        <a:t>199298</a:t>
                       </a:r>
-                      <a:endParaRPr lang="en-US" sz="1100" b="0" i="0" u="none" strike="noStrike">
-                        <a:solidFill>
-                          <a:srgbClr val="000000"/>
-                        </a:solidFill>
-                        <a:effectLst/>
-                        <a:latin typeface="Calibri" panose="020F0502020204030204" pitchFamily="34" charset="0"/>
-                      </a:endParaRPr>
                     </a:p>
                   </a:txBody>
-                  <a:tcPr marL="4763" marR="4763" marT="4763" marB="0" anchor="b"/>
+                  <a:tcPr/>
+                </a:tc>
+                <a:extLst>
+                  <a:ext uri="{0D108BD9-81ED-4DB2-BD59-A6C34878D82A}">
+                    <a16:rowId xmlns:a16="http://schemas.microsoft.com/office/drawing/2014/main" val="4109067425"/>
+                  </a:ext>
+                </a:extLst>
+              </a:tr>
+              <a:tr h="202687">
+                <a:tc>
+                  <a:txBody>
+                    <a:bodyPr/>
+                    <a:lstStyle/>
+                    <a:p>
+                      <a:r>
+                        <a:rPr lang="en-US" sz="800" dirty="0"/>
+                        <a:t>Default(1)</a:t>
+                      </a:r>
+                    </a:p>
+                  </a:txBody>
+                  <a:tcPr/>
                 </a:tc>
                 <a:tc>
                   <a:txBody>
                     <a:bodyPr/>
                     <a:lstStyle/>
                     <a:p>
-                      <a:pPr algn="l" fontAlgn="b"/>
                       <a:r>
-                        <a:rPr lang="en-US" sz="1100" u="none" strike="noStrike">
-                          <a:effectLst/>
-                        </a:rPr>
-                        <a:t>recall default</a:t>
+                        <a:rPr lang="en-US" sz="800" dirty="0"/>
+                        <a:t>18037</a:t>
                       </a:r>
-                      <a:endParaRPr lang="en-US" sz="1100" b="0" i="0" u="none" strike="noStrike">
-                        <a:solidFill>
-                          <a:srgbClr val="000000"/>
-                        </a:solidFill>
-                        <a:effectLst/>
-                        <a:latin typeface="Calibri" panose="020F0502020204030204" pitchFamily="34" charset="0"/>
-                      </a:endParaRPr>
                     </a:p>
                   </a:txBody>
-                  <a:tcPr marL="4763" marR="4763" marT="4763" marB="0" anchor="b"/>
-                </a:tc>
-                <a:tc>
-                  <a:txBody>
-                    <a:bodyPr/>
-                    <a:lstStyle/>
-                    <a:p>
-                      <a:pPr algn="l" fontAlgn="b"/>
-                      <a:r>
-                        <a:rPr lang="en-US" sz="1100" u="none" strike="noStrike">
-                          <a:effectLst/>
-                        </a:rPr>
-                        <a:t>f1 score default</a:t>
-                      </a:r>
-                      <a:endParaRPr lang="en-US" sz="1100" b="0" i="0" u="none" strike="noStrike">
-                        <a:solidFill>
-                          <a:srgbClr val="000000"/>
-                        </a:solidFill>
-                        <a:effectLst/>
-                        <a:latin typeface="Calibri" panose="020F0502020204030204" pitchFamily="34" charset="0"/>
-                      </a:endParaRPr>
-                    </a:p>
-                  </a:txBody>
-                  <a:tcPr marL="4763" marR="4763" marT="4763" marB="0" anchor="b"/>
-                </a:tc>
-                <a:tc>
-                  <a:txBody>
-                    <a:bodyPr/>
-                    <a:lstStyle/>
-                    <a:p>
-                      <a:pPr algn="l" fontAlgn="b"/>
-                      <a:r>
-                        <a:rPr lang="en-US" sz="1100" u="none" strike="noStrike">
-                          <a:effectLst/>
-                        </a:rPr>
-                        <a:t>accuracy</a:t>
-                      </a:r>
-                      <a:endParaRPr lang="en-US" sz="1100" b="0" i="0" u="none" strike="noStrike">
-                        <a:solidFill>
-                          <a:srgbClr val="000000"/>
-                        </a:solidFill>
-                        <a:effectLst/>
-                        <a:latin typeface="Calibri" panose="020F0502020204030204" pitchFamily="34" charset="0"/>
-                      </a:endParaRPr>
-                    </a:p>
-                  </a:txBody>
-                  <a:tcPr marL="4763" marR="4763" marT="4763" marB="0" anchor="b"/>
-                </a:tc>
-                <a:tc>
-                  <a:txBody>
-                    <a:bodyPr/>
-                    <a:lstStyle/>
-                    <a:p>
-                      <a:pPr algn="l" fontAlgn="b"/>
-                      <a:r>
-                        <a:rPr lang="en-US" sz="1100" u="none" strike="noStrike">
-                          <a:effectLst/>
-                        </a:rPr>
-                        <a:t>precision</a:t>
-                      </a:r>
-                      <a:endParaRPr lang="en-US" sz="1100" b="0" i="0" u="none" strike="noStrike">
-                        <a:solidFill>
-                          <a:srgbClr val="000000"/>
-                        </a:solidFill>
-                        <a:effectLst/>
-                        <a:latin typeface="Calibri" panose="020F0502020204030204" pitchFamily="34" charset="0"/>
-                      </a:endParaRPr>
-                    </a:p>
-                  </a:txBody>
-                  <a:tcPr marL="4763" marR="4763" marT="4763" marB="0" anchor="b"/>
-                </a:tc>
-                <a:tc>
-                  <a:txBody>
-                    <a:bodyPr/>
-                    <a:lstStyle/>
-                    <a:p>
-                      <a:pPr algn="l" fontAlgn="b"/>
-                      <a:r>
-                        <a:rPr lang="en-US" sz="1100" u="none" strike="noStrike">
-                          <a:effectLst/>
-                        </a:rPr>
-                        <a:t>recall</a:t>
-                      </a:r>
-                      <a:endParaRPr lang="en-US" sz="1100" b="0" i="0" u="none" strike="noStrike">
-                        <a:solidFill>
-                          <a:srgbClr val="000000"/>
-                        </a:solidFill>
-                        <a:effectLst/>
-                        <a:latin typeface="Calibri" panose="020F0502020204030204" pitchFamily="34" charset="0"/>
-                      </a:endParaRPr>
-                    </a:p>
-                  </a:txBody>
-                  <a:tcPr marL="4763" marR="4763" marT="4763" marB="0" anchor="b"/>
-                </a:tc>
-                <a:tc>
-                  <a:txBody>
-                    <a:bodyPr/>
-                    <a:lstStyle/>
-                    <a:p>
-                      <a:pPr algn="l" fontAlgn="b"/>
-                      <a:r>
-                        <a:rPr lang="en-US" sz="1100" u="none" strike="noStrike">
-                          <a:effectLst/>
-                        </a:rPr>
-                        <a:t>f1 score</a:t>
-                      </a:r>
-                      <a:endParaRPr lang="en-US" sz="1100" b="0" i="0" u="none" strike="noStrike">
-                        <a:solidFill>
-                          <a:srgbClr val="000000"/>
-                        </a:solidFill>
-                        <a:effectLst/>
-                        <a:latin typeface="Calibri" panose="020F0502020204030204" pitchFamily="34" charset="0"/>
-                      </a:endParaRPr>
-                    </a:p>
-                  </a:txBody>
-                  <a:tcPr marL="4763" marR="4763" marT="4763" marB="0" anchor="b"/>
+                  <a:tcPr/>
                 </a:tc>
                 <a:extLst>
                   <a:ext uri="{0D108BD9-81ED-4DB2-BD59-A6C34878D82A}">
-                    <a16:rowId xmlns:a16="http://schemas.microsoft.com/office/drawing/2014/main" val="1662167042"/>
-                  </a:ext>
-                </a:extLst>
-              </a:tr>
-              <a:tr h="300927">
-                <a:tc>
-                  <a:txBody>
-                    <a:bodyPr/>
-                    <a:lstStyle/>
-                    <a:p>
-                      <a:pPr algn="l" fontAlgn="b"/>
-                      <a:r>
-                        <a:rPr lang="en-US" sz="1100" u="none" strike="noStrike">
-                          <a:effectLst/>
-                        </a:rPr>
-                        <a:t>Decision Tree</a:t>
-                      </a:r>
-                      <a:endParaRPr lang="en-US" sz="1100" b="0" i="0" u="none" strike="noStrike">
-                        <a:solidFill>
-                          <a:srgbClr val="000000"/>
-                        </a:solidFill>
-                        <a:effectLst/>
-                        <a:latin typeface="Calibri" panose="020F0502020204030204" pitchFamily="34" charset="0"/>
-                      </a:endParaRPr>
-                    </a:p>
-                  </a:txBody>
-                  <a:tcPr marL="4763" marR="4763" marT="4763" marB="0" anchor="b"/>
-                </a:tc>
-                <a:tc>
-                  <a:txBody>
-                    <a:bodyPr/>
-                    <a:lstStyle/>
-                    <a:p>
-                      <a:pPr algn="l" fontAlgn="b"/>
-                      <a:r>
-                        <a:rPr lang="en-US" sz="1100" u="none" strike="noStrike">
-                          <a:effectLst/>
-                        </a:rPr>
-                        <a:t>                   0.61 </a:t>
-                      </a:r>
-                      <a:endParaRPr lang="en-US" sz="1100" b="0" i="0" u="none" strike="noStrike">
-                        <a:solidFill>
-                          <a:srgbClr val="000000"/>
-                        </a:solidFill>
-                        <a:effectLst/>
-                        <a:latin typeface="Calibri" panose="020F0502020204030204" pitchFamily="34" charset="0"/>
-                      </a:endParaRPr>
-                    </a:p>
-                  </a:txBody>
-                  <a:tcPr marL="4763" marR="4763" marT="4763" marB="0" anchor="b"/>
-                </a:tc>
-                <a:tc>
-                  <a:txBody>
-                    <a:bodyPr/>
-                    <a:lstStyle/>
-                    <a:p>
-                      <a:pPr algn="l" fontAlgn="b"/>
-                      <a:r>
-                        <a:rPr lang="en-US" sz="1100" u="none" strike="noStrike">
-                          <a:effectLst/>
-                        </a:rPr>
-                        <a:t>                    1.00 </a:t>
-                      </a:r>
-                      <a:endParaRPr lang="en-US" sz="1100" b="0" i="0" u="none" strike="noStrike">
-                        <a:solidFill>
-                          <a:srgbClr val="000000"/>
-                        </a:solidFill>
-                        <a:effectLst/>
-                        <a:latin typeface="Calibri" panose="020F0502020204030204" pitchFamily="34" charset="0"/>
-                      </a:endParaRPr>
-                    </a:p>
-                  </a:txBody>
-                  <a:tcPr marL="4763" marR="4763" marT="4763" marB="0" anchor="b"/>
-                </a:tc>
-                <a:tc>
-                  <a:txBody>
-                    <a:bodyPr/>
-                    <a:lstStyle/>
-                    <a:p>
-                      <a:pPr algn="l" fontAlgn="b"/>
-                      <a:r>
-                        <a:rPr lang="en-US" sz="1100" u="none" strike="noStrike" dirty="0">
-                          <a:effectLst/>
-                        </a:rPr>
-                        <a:t>              0.61 </a:t>
-                      </a:r>
-                      <a:endParaRPr lang="en-US" sz="1100" b="0" i="0" u="none" strike="noStrike" dirty="0">
-                        <a:solidFill>
-                          <a:srgbClr val="000000"/>
-                        </a:solidFill>
-                        <a:effectLst/>
-                        <a:latin typeface="Calibri" panose="020F0502020204030204" pitchFamily="34" charset="0"/>
-                      </a:endParaRPr>
-                    </a:p>
-                  </a:txBody>
-                  <a:tcPr marL="4763" marR="4763" marT="4763" marB="0" anchor="b"/>
-                </a:tc>
-                <a:tc>
-                  <a:txBody>
-                    <a:bodyPr/>
-                    <a:lstStyle/>
-                    <a:p>
-                      <a:pPr algn="l" fontAlgn="b"/>
-                      <a:r>
-                        <a:rPr lang="en-US" sz="1100" u="none" strike="noStrike">
-                          <a:effectLst/>
-                        </a:rPr>
-                        <a:t>                  0.76 </a:t>
-                      </a:r>
-                      <a:endParaRPr lang="en-US" sz="1100" b="0" i="0" u="none" strike="noStrike">
-                        <a:solidFill>
-                          <a:srgbClr val="000000"/>
-                        </a:solidFill>
-                        <a:effectLst/>
-                        <a:latin typeface="Calibri" panose="020F0502020204030204" pitchFamily="34" charset="0"/>
-                      </a:endParaRPr>
-                    </a:p>
-                  </a:txBody>
-                  <a:tcPr marL="4763" marR="4763" marT="4763" marB="0" anchor="b"/>
-                </a:tc>
-                <a:tc>
-                  <a:txBody>
-                    <a:bodyPr/>
-                    <a:lstStyle/>
-                    <a:p>
-                      <a:pPr algn="l" fontAlgn="b"/>
-                      <a:r>
-                        <a:rPr lang="en-US" sz="1100" u="none" strike="noStrike">
-                          <a:effectLst/>
-                        </a:rPr>
-                        <a:t>         0.61 </a:t>
-                      </a:r>
-                      <a:endParaRPr lang="en-US" sz="1100" b="0" i="0" u="none" strike="noStrike">
-                        <a:solidFill>
-                          <a:srgbClr val="000000"/>
-                        </a:solidFill>
-                        <a:effectLst/>
-                        <a:latin typeface="Calibri" panose="020F0502020204030204" pitchFamily="34" charset="0"/>
-                      </a:endParaRPr>
-                    </a:p>
-                  </a:txBody>
-                  <a:tcPr marL="4763" marR="4763" marT="4763" marB="0" anchor="b"/>
-                </a:tc>
-                <a:tc>
-                  <a:txBody>
-                    <a:bodyPr/>
-                    <a:lstStyle/>
-                    <a:p>
-                      <a:pPr algn="l" fontAlgn="b"/>
-                      <a:r>
-                        <a:rPr lang="en-US" sz="1100" u="none" strike="noStrike">
-                          <a:effectLst/>
-                        </a:rPr>
-                        <a:t>         0.12 </a:t>
-                      </a:r>
-                      <a:endParaRPr lang="en-US" sz="1100" b="0" i="0" u="none" strike="noStrike">
-                        <a:solidFill>
-                          <a:srgbClr val="000000"/>
-                        </a:solidFill>
-                        <a:effectLst/>
-                        <a:latin typeface="Calibri" panose="020F0502020204030204" pitchFamily="34" charset="0"/>
-                      </a:endParaRPr>
-                    </a:p>
-                  </a:txBody>
-                  <a:tcPr marL="4763" marR="4763" marT="4763" marB="0" anchor="b"/>
-                </a:tc>
-                <a:tc>
-                  <a:txBody>
-                    <a:bodyPr/>
-                    <a:lstStyle/>
-                    <a:p>
-                      <a:pPr algn="l" fontAlgn="b"/>
-                      <a:r>
-                        <a:rPr lang="en-US" sz="1100" u="none" strike="noStrike">
-                          <a:effectLst/>
-                        </a:rPr>
-                        <a:t>         0.58 </a:t>
-                      </a:r>
-                      <a:endParaRPr lang="en-US" sz="1100" b="0" i="0" u="none" strike="noStrike">
-                        <a:solidFill>
-                          <a:srgbClr val="000000"/>
-                        </a:solidFill>
-                        <a:effectLst/>
-                        <a:latin typeface="Calibri" panose="020F0502020204030204" pitchFamily="34" charset="0"/>
-                      </a:endParaRPr>
-                    </a:p>
-                  </a:txBody>
-                  <a:tcPr marL="4763" marR="4763" marT="4763" marB="0" anchor="b"/>
-                </a:tc>
-                <a:tc>
-                  <a:txBody>
-                    <a:bodyPr/>
-                    <a:lstStyle/>
-                    <a:p>
-                      <a:pPr algn="l" fontAlgn="b"/>
-                      <a:r>
-                        <a:rPr lang="en-US" sz="1100" u="none" strike="noStrike" dirty="0">
-                          <a:effectLst/>
-                        </a:rPr>
-                        <a:t>         0.20 </a:t>
-                      </a:r>
-                      <a:endParaRPr lang="en-US" sz="1100" b="0" i="0" u="none" strike="noStrike" dirty="0">
-                        <a:solidFill>
-                          <a:srgbClr val="000000"/>
-                        </a:solidFill>
-                        <a:effectLst/>
-                        <a:latin typeface="Calibri" panose="020F0502020204030204" pitchFamily="34" charset="0"/>
-                      </a:endParaRPr>
-                    </a:p>
-                  </a:txBody>
-                  <a:tcPr marL="4763" marR="4763" marT="4763" marB="0" anchor="b"/>
-                </a:tc>
-                <a:extLst>
-                  <a:ext uri="{0D108BD9-81ED-4DB2-BD59-A6C34878D82A}">
-                    <a16:rowId xmlns:a16="http://schemas.microsoft.com/office/drawing/2014/main" val="1682577989"/>
-                  </a:ext>
-                </a:extLst>
-              </a:tr>
-              <a:tr h="300927">
-                <a:tc>
-                  <a:txBody>
-                    <a:bodyPr/>
-                    <a:lstStyle/>
-                    <a:p>
-                      <a:pPr algn="l" fontAlgn="b"/>
-                      <a:r>
-                        <a:rPr lang="en-US" sz="1100" u="none" strike="noStrike" dirty="0">
-                          <a:effectLst/>
-                        </a:rPr>
-                        <a:t>Random Forest</a:t>
-                      </a:r>
-                      <a:endParaRPr lang="en-US" sz="1100" b="0" i="0" u="none" strike="noStrike" dirty="0">
-                        <a:solidFill>
-                          <a:srgbClr val="000000"/>
-                        </a:solidFill>
-                        <a:effectLst/>
-                        <a:latin typeface="Calibri" panose="020F0502020204030204" pitchFamily="34" charset="0"/>
-                      </a:endParaRPr>
-                    </a:p>
-                  </a:txBody>
-                  <a:tcPr marL="4763" marR="4763" marT="4763" marB="0" anchor="b">
-                    <a:solidFill>
-                      <a:schemeClr val="accent1">
-                        <a:lumMod val="40000"/>
-                        <a:lumOff val="60000"/>
-                      </a:schemeClr>
-                    </a:solidFill>
-                  </a:tcPr>
-                </a:tc>
-                <a:tc>
-                  <a:txBody>
-                    <a:bodyPr/>
-                    <a:lstStyle/>
-                    <a:p>
-                      <a:pPr algn="l" fontAlgn="b"/>
-                      <a:r>
-                        <a:rPr lang="en-US" sz="1100" u="none" strike="noStrike" dirty="0">
-                          <a:effectLst/>
-                        </a:rPr>
-                        <a:t>                   1.00 </a:t>
-                      </a:r>
-                      <a:endParaRPr lang="en-US" sz="1100" b="0" i="0" u="none" strike="noStrike" dirty="0">
-                        <a:solidFill>
-                          <a:srgbClr val="000000"/>
-                        </a:solidFill>
-                        <a:effectLst/>
-                        <a:latin typeface="Calibri" panose="020F0502020204030204" pitchFamily="34" charset="0"/>
-                      </a:endParaRPr>
-                    </a:p>
-                  </a:txBody>
-                  <a:tcPr marL="4763" marR="4763" marT="4763" marB="0" anchor="b">
-                    <a:solidFill>
-                      <a:schemeClr val="accent1">
-                        <a:lumMod val="40000"/>
-                        <a:lumOff val="60000"/>
-                      </a:schemeClr>
-                    </a:solidFill>
-                  </a:tcPr>
-                </a:tc>
-                <a:tc>
-                  <a:txBody>
-                    <a:bodyPr/>
-                    <a:lstStyle/>
-                    <a:p>
-                      <a:pPr algn="l" fontAlgn="b"/>
-                      <a:r>
-                        <a:rPr lang="en-US" sz="1100" u="none" strike="noStrike">
-                          <a:effectLst/>
-                        </a:rPr>
-                        <a:t>                    1.00 </a:t>
-                      </a:r>
-                      <a:endParaRPr lang="en-US" sz="1100" b="0" i="0" u="none" strike="noStrike">
-                        <a:solidFill>
-                          <a:srgbClr val="000000"/>
-                        </a:solidFill>
-                        <a:effectLst/>
-                        <a:latin typeface="Calibri" panose="020F0502020204030204" pitchFamily="34" charset="0"/>
-                      </a:endParaRPr>
-                    </a:p>
-                  </a:txBody>
-                  <a:tcPr marL="4763" marR="4763" marT="4763" marB="0" anchor="b">
-                    <a:solidFill>
-                      <a:schemeClr val="accent1">
-                        <a:lumMod val="40000"/>
-                        <a:lumOff val="60000"/>
-                      </a:schemeClr>
-                    </a:solidFill>
-                  </a:tcPr>
-                </a:tc>
-                <a:tc>
-                  <a:txBody>
-                    <a:bodyPr/>
-                    <a:lstStyle/>
-                    <a:p>
-                      <a:pPr algn="l" fontAlgn="b"/>
-                      <a:r>
-                        <a:rPr lang="en-US" sz="1100" u="none" strike="noStrike">
-                          <a:effectLst/>
-                        </a:rPr>
-                        <a:t>              1.00 </a:t>
-                      </a:r>
-                      <a:endParaRPr lang="en-US" sz="1100" b="0" i="0" u="none" strike="noStrike">
-                        <a:solidFill>
-                          <a:srgbClr val="000000"/>
-                        </a:solidFill>
-                        <a:effectLst/>
-                        <a:latin typeface="Calibri" panose="020F0502020204030204" pitchFamily="34" charset="0"/>
-                      </a:endParaRPr>
-                    </a:p>
-                  </a:txBody>
-                  <a:tcPr marL="4763" marR="4763" marT="4763" marB="0" anchor="b">
-                    <a:solidFill>
-                      <a:schemeClr val="accent1">
-                        <a:lumMod val="40000"/>
-                        <a:lumOff val="60000"/>
-                      </a:schemeClr>
-                    </a:solidFill>
-                  </a:tcPr>
-                </a:tc>
-                <a:tc>
-                  <a:txBody>
-                    <a:bodyPr/>
-                    <a:lstStyle/>
-                    <a:p>
-                      <a:pPr algn="l" fontAlgn="b"/>
-                      <a:r>
-                        <a:rPr lang="en-US" sz="1100" u="none" strike="noStrike">
-                          <a:effectLst/>
-                        </a:rPr>
-                        <a:t>                  1.00 </a:t>
-                      </a:r>
-                      <a:endParaRPr lang="en-US" sz="1100" b="0" i="0" u="none" strike="noStrike">
-                        <a:solidFill>
-                          <a:srgbClr val="000000"/>
-                        </a:solidFill>
-                        <a:effectLst/>
-                        <a:latin typeface="Calibri" panose="020F0502020204030204" pitchFamily="34" charset="0"/>
-                      </a:endParaRPr>
-                    </a:p>
-                  </a:txBody>
-                  <a:tcPr marL="4763" marR="4763" marT="4763" marB="0" anchor="b">
-                    <a:solidFill>
-                      <a:schemeClr val="accent1">
-                        <a:lumMod val="40000"/>
-                        <a:lumOff val="60000"/>
-                      </a:schemeClr>
-                    </a:solidFill>
-                  </a:tcPr>
-                </a:tc>
-                <a:tc>
-                  <a:txBody>
-                    <a:bodyPr/>
-                    <a:lstStyle/>
-                    <a:p>
-                      <a:pPr algn="l" fontAlgn="b"/>
-                      <a:r>
-                        <a:rPr lang="en-US" sz="1100" u="none" strike="noStrike">
-                          <a:effectLst/>
-                        </a:rPr>
-                        <a:t>         0.92 </a:t>
-                      </a:r>
-                      <a:endParaRPr lang="en-US" sz="1100" b="0" i="0" u="none" strike="noStrike">
-                        <a:solidFill>
-                          <a:srgbClr val="000000"/>
-                        </a:solidFill>
-                        <a:effectLst/>
-                        <a:latin typeface="Calibri" panose="020F0502020204030204" pitchFamily="34" charset="0"/>
-                      </a:endParaRPr>
-                    </a:p>
-                  </a:txBody>
-                  <a:tcPr marL="4763" marR="4763" marT="4763" marB="0" anchor="b">
-                    <a:solidFill>
-                      <a:schemeClr val="accent1">
-                        <a:lumMod val="40000"/>
-                        <a:lumOff val="60000"/>
-                      </a:schemeClr>
-                    </a:solidFill>
-                  </a:tcPr>
-                </a:tc>
-                <a:tc>
-                  <a:txBody>
-                    <a:bodyPr/>
-                    <a:lstStyle/>
-                    <a:p>
-                      <a:pPr algn="l" fontAlgn="b"/>
-                      <a:r>
-                        <a:rPr lang="en-US" sz="1100" u="none" strike="noStrike">
-                          <a:effectLst/>
-                        </a:rPr>
-                        <a:t>         0.20 </a:t>
-                      </a:r>
-                      <a:endParaRPr lang="en-US" sz="1100" b="0" i="0" u="none" strike="noStrike">
-                        <a:solidFill>
-                          <a:srgbClr val="000000"/>
-                        </a:solidFill>
-                        <a:effectLst/>
-                        <a:latin typeface="Calibri" panose="020F0502020204030204" pitchFamily="34" charset="0"/>
-                      </a:endParaRPr>
-                    </a:p>
-                  </a:txBody>
-                  <a:tcPr marL="4763" marR="4763" marT="4763" marB="0" anchor="b">
-                    <a:solidFill>
-                      <a:schemeClr val="accent1">
-                        <a:lumMod val="40000"/>
-                        <a:lumOff val="60000"/>
-                      </a:schemeClr>
-                    </a:solidFill>
-                  </a:tcPr>
-                </a:tc>
-                <a:tc>
-                  <a:txBody>
-                    <a:bodyPr/>
-                    <a:lstStyle/>
-                    <a:p>
-                      <a:pPr algn="l" fontAlgn="b"/>
-                      <a:r>
-                        <a:rPr lang="en-US" sz="1100" u="none" strike="noStrike">
-                          <a:effectLst/>
-                        </a:rPr>
-                        <a:t>         0.00 </a:t>
-                      </a:r>
-                      <a:endParaRPr lang="en-US" sz="1100" b="0" i="0" u="none" strike="noStrike">
-                        <a:solidFill>
-                          <a:srgbClr val="000000"/>
-                        </a:solidFill>
-                        <a:effectLst/>
-                        <a:latin typeface="Calibri" panose="020F0502020204030204" pitchFamily="34" charset="0"/>
-                      </a:endParaRPr>
-                    </a:p>
-                  </a:txBody>
-                  <a:tcPr marL="4763" marR="4763" marT="4763" marB="0" anchor="b">
-                    <a:solidFill>
-                      <a:schemeClr val="accent1">
-                        <a:lumMod val="40000"/>
-                        <a:lumOff val="60000"/>
-                      </a:schemeClr>
-                    </a:solidFill>
-                  </a:tcPr>
-                </a:tc>
-                <a:tc>
-                  <a:txBody>
-                    <a:bodyPr/>
-                    <a:lstStyle/>
-                    <a:p>
-                      <a:pPr algn="l" fontAlgn="b"/>
-                      <a:r>
-                        <a:rPr lang="en-US" sz="1100" u="none" strike="noStrike" dirty="0">
-                          <a:effectLst/>
-                        </a:rPr>
-                        <a:t>         0.01 </a:t>
-                      </a:r>
-                      <a:endParaRPr lang="en-US" sz="1100" b="0" i="0" u="none" strike="noStrike" dirty="0">
-                        <a:solidFill>
-                          <a:srgbClr val="000000"/>
-                        </a:solidFill>
-                        <a:effectLst/>
-                        <a:latin typeface="Calibri" panose="020F0502020204030204" pitchFamily="34" charset="0"/>
-                      </a:endParaRPr>
-                    </a:p>
-                  </a:txBody>
-                  <a:tcPr marL="4763" marR="4763" marT="4763" marB="0" anchor="b">
-                    <a:solidFill>
-                      <a:schemeClr val="accent1">
-                        <a:lumMod val="40000"/>
-                        <a:lumOff val="60000"/>
-                      </a:schemeClr>
-                    </a:solidFill>
-                  </a:tcPr>
-                </a:tc>
-                <a:extLst>
-                  <a:ext uri="{0D108BD9-81ED-4DB2-BD59-A6C34878D82A}">
-                    <a16:rowId xmlns:a16="http://schemas.microsoft.com/office/drawing/2014/main" val="1885683335"/>
-                  </a:ext>
-                </a:extLst>
-              </a:tr>
-              <a:tr h="300927">
-                <a:tc>
-                  <a:txBody>
-                    <a:bodyPr/>
-                    <a:lstStyle/>
-                    <a:p>
-                      <a:pPr algn="l" fontAlgn="b"/>
-                      <a:r>
-                        <a:rPr lang="en-US" sz="1100" u="none" strike="noStrike">
-                          <a:effectLst/>
-                        </a:rPr>
-                        <a:t>Linear</a:t>
-                      </a:r>
-                      <a:endParaRPr lang="en-US" sz="1100" b="0" i="0" u="none" strike="noStrike">
-                        <a:solidFill>
-                          <a:srgbClr val="000000"/>
-                        </a:solidFill>
-                        <a:effectLst/>
-                        <a:latin typeface="Calibri" panose="020F0502020204030204" pitchFamily="34" charset="0"/>
-                      </a:endParaRPr>
-                    </a:p>
-                  </a:txBody>
-                  <a:tcPr marL="4763" marR="4763" marT="4763" marB="0" anchor="b"/>
-                </a:tc>
-                <a:tc>
-                  <a:txBody>
-                    <a:bodyPr/>
-                    <a:lstStyle/>
-                    <a:p>
-                      <a:pPr algn="l" fontAlgn="b"/>
-                      <a:r>
-                        <a:rPr lang="en-US" sz="1100" u="none" strike="noStrike">
-                          <a:effectLst/>
-                        </a:rPr>
-                        <a:t>                   0.64 </a:t>
-                      </a:r>
-                      <a:endParaRPr lang="en-US" sz="1100" b="0" i="0" u="none" strike="noStrike">
-                        <a:solidFill>
-                          <a:srgbClr val="000000"/>
-                        </a:solidFill>
-                        <a:effectLst/>
-                        <a:latin typeface="Calibri" panose="020F0502020204030204" pitchFamily="34" charset="0"/>
-                      </a:endParaRPr>
-                    </a:p>
-                  </a:txBody>
-                  <a:tcPr marL="4763" marR="4763" marT="4763" marB="0" anchor="b"/>
-                </a:tc>
-                <a:tc>
-                  <a:txBody>
-                    <a:bodyPr/>
-                    <a:lstStyle/>
-                    <a:p>
-                      <a:pPr algn="l" fontAlgn="b"/>
-                      <a:r>
-                        <a:rPr lang="en-US" sz="1100" u="none" strike="noStrike">
-                          <a:effectLst/>
-                        </a:rPr>
-                        <a:t>                    1.00 </a:t>
-                      </a:r>
-                      <a:endParaRPr lang="en-US" sz="1100" b="0" i="0" u="none" strike="noStrike">
-                        <a:solidFill>
-                          <a:srgbClr val="000000"/>
-                        </a:solidFill>
-                        <a:effectLst/>
-                        <a:latin typeface="Calibri" panose="020F0502020204030204" pitchFamily="34" charset="0"/>
-                      </a:endParaRPr>
-                    </a:p>
-                  </a:txBody>
-                  <a:tcPr marL="4763" marR="4763" marT="4763" marB="0" anchor="b"/>
-                </a:tc>
-                <a:tc>
-                  <a:txBody>
-                    <a:bodyPr/>
-                    <a:lstStyle/>
-                    <a:p>
-                      <a:pPr algn="l" fontAlgn="b"/>
-                      <a:r>
-                        <a:rPr lang="en-US" sz="1100" u="none" strike="noStrike">
-                          <a:effectLst/>
-                        </a:rPr>
-                        <a:t>              0.64 </a:t>
-                      </a:r>
-                      <a:endParaRPr lang="en-US" sz="1100" b="0" i="0" u="none" strike="noStrike">
-                        <a:solidFill>
-                          <a:srgbClr val="000000"/>
-                        </a:solidFill>
-                        <a:effectLst/>
-                        <a:latin typeface="Calibri" panose="020F0502020204030204" pitchFamily="34" charset="0"/>
-                      </a:endParaRPr>
-                    </a:p>
-                  </a:txBody>
-                  <a:tcPr marL="4763" marR="4763" marT="4763" marB="0" anchor="b"/>
-                </a:tc>
-                <a:tc>
-                  <a:txBody>
-                    <a:bodyPr/>
-                    <a:lstStyle/>
-                    <a:p>
-                      <a:pPr algn="l" fontAlgn="b"/>
-                      <a:r>
-                        <a:rPr lang="en-US" sz="1100" u="none" strike="noStrike">
-                          <a:effectLst/>
-                        </a:rPr>
-                        <a:t>                  0.78 </a:t>
-                      </a:r>
-                      <a:endParaRPr lang="en-US" sz="1100" b="0" i="0" u="none" strike="noStrike">
-                        <a:solidFill>
-                          <a:srgbClr val="000000"/>
-                        </a:solidFill>
-                        <a:effectLst/>
-                        <a:latin typeface="Calibri" panose="020F0502020204030204" pitchFamily="34" charset="0"/>
-                      </a:endParaRPr>
-                    </a:p>
-                  </a:txBody>
-                  <a:tcPr marL="4763" marR="4763" marT="4763" marB="0" anchor="b"/>
-                </a:tc>
-                <a:tc>
-                  <a:txBody>
-                    <a:bodyPr/>
-                    <a:lstStyle/>
-                    <a:p>
-                      <a:pPr algn="l" fontAlgn="b"/>
-                      <a:r>
-                        <a:rPr lang="en-US" sz="1100" u="none" strike="noStrike">
-                          <a:effectLst/>
-                        </a:rPr>
-                        <a:t>         0.56 </a:t>
-                      </a:r>
-                      <a:endParaRPr lang="en-US" sz="1100" b="0" i="0" u="none" strike="noStrike">
-                        <a:solidFill>
-                          <a:srgbClr val="000000"/>
-                        </a:solidFill>
-                        <a:effectLst/>
-                        <a:latin typeface="Calibri" panose="020F0502020204030204" pitchFamily="34" charset="0"/>
-                      </a:endParaRPr>
-                    </a:p>
-                  </a:txBody>
-                  <a:tcPr marL="4763" marR="4763" marT="4763" marB="0" anchor="b"/>
-                </a:tc>
-                <a:tc>
-                  <a:txBody>
-                    <a:bodyPr/>
-                    <a:lstStyle/>
-                    <a:p>
-                      <a:pPr algn="l" fontAlgn="b"/>
-                      <a:r>
-                        <a:rPr lang="en-US" sz="1100" u="none" strike="noStrike">
-                          <a:effectLst/>
-                        </a:rPr>
-                        <a:t>         0.12 </a:t>
-                      </a:r>
-                      <a:endParaRPr lang="en-US" sz="1100" b="0" i="0" u="none" strike="noStrike">
-                        <a:solidFill>
-                          <a:srgbClr val="000000"/>
-                        </a:solidFill>
-                        <a:effectLst/>
-                        <a:latin typeface="Calibri" panose="020F0502020204030204" pitchFamily="34" charset="0"/>
-                      </a:endParaRPr>
-                    </a:p>
-                  </a:txBody>
-                  <a:tcPr marL="4763" marR="4763" marT="4763" marB="0" anchor="b"/>
-                </a:tc>
-                <a:tc>
-                  <a:txBody>
-                    <a:bodyPr/>
-                    <a:lstStyle/>
-                    <a:p>
-                      <a:pPr algn="l" fontAlgn="b"/>
-                      <a:r>
-                        <a:rPr lang="en-US" sz="1100" u="none" strike="noStrike">
-                          <a:effectLst/>
-                        </a:rPr>
-                        <a:t>         0.66 </a:t>
-                      </a:r>
-                      <a:endParaRPr lang="en-US" sz="1100" b="0" i="0" u="none" strike="noStrike">
-                        <a:solidFill>
-                          <a:srgbClr val="000000"/>
-                        </a:solidFill>
-                        <a:effectLst/>
-                        <a:latin typeface="Calibri" panose="020F0502020204030204" pitchFamily="34" charset="0"/>
-                      </a:endParaRPr>
-                    </a:p>
-                  </a:txBody>
-                  <a:tcPr marL="4763" marR="4763" marT="4763" marB="0" anchor="b"/>
-                </a:tc>
-                <a:tc>
-                  <a:txBody>
-                    <a:bodyPr/>
-                    <a:lstStyle/>
-                    <a:p>
-                      <a:pPr algn="l" fontAlgn="b"/>
-                      <a:r>
-                        <a:rPr lang="en-US" sz="1100" u="none" strike="noStrike">
-                          <a:effectLst/>
-                        </a:rPr>
-                        <a:t>         0.20 </a:t>
-                      </a:r>
-                      <a:endParaRPr lang="en-US" sz="1100" b="0" i="0" u="none" strike="noStrike">
-                        <a:solidFill>
-                          <a:srgbClr val="000000"/>
-                        </a:solidFill>
-                        <a:effectLst/>
-                        <a:latin typeface="Calibri" panose="020F0502020204030204" pitchFamily="34" charset="0"/>
-                      </a:endParaRPr>
-                    </a:p>
-                  </a:txBody>
-                  <a:tcPr marL="4763" marR="4763" marT="4763" marB="0" anchor="b"/>
-                </a:tc>
-                <a:extLst>
-                  <a:ext uri="{0D108BD9-81ED-4DB2-BD59-A6C34878D82A}">
-                    <a16:rowId xmlns:a16="http://schemas.microsoft.com/office/drawing/2014/main" val="2595896304"/>
-                  </a:ext>
-                </a:extLst>
-              </a:tr>
-              <a:tr h="300927">
-                <a:tc>
-                  <a:txBody>
-                    <a:bodyPr/>
-                    <a:lstStyle/>
-                    <a:p>
-                      <a:pPr algn="l" fontAlgn="b"/>
-                      <a:r>
-                        <a:rPr lang="en-US" sz="1100" u="none" strike="noStrike">
-                          <a:effectLst/>
-                        </a:rPr>
-                        <a:t>KNN</a:t>
-                      </a:r>
-                      <a:endParaRPr lang="en-US" sz="1100" b="0" i="0" u="none" strike="noStrike">
-                        <a:solidFill>
-                          <a:srgbClr val="000000"/>
-                        </a:solidFill>
-                        <a:effectLst/>
-                        <a:latin typeface="Calibri" panose="020F0502020204030204" pitchFamily="34" charset="0"/>
-                      </a:endParaRPr>
-                    </a:p>
-                  </a:txBody>
-                  <a:tcPr marL="4763" marR="4763" marT="4763" marB="0" anchor="b"/>
-                </a:tc>
-                <a:tc>
-                  <a:txBody>
-                    <a:bodyPr/>
-                    <a:lstStyle/>
-                    <a:p>
-                      <a:pPr algn="l" fontAlgn="b"/>
-                      <a:r>
-                        <a:rPr lang="en-US" sz="1100" u="none" strike="noStrike">
-                          <a:effectLst/>
-                        </a:rPr>
-                        <a:t>                   1.00 </a:t>
-                      </a:r>
-                      <a:endParaRPr lang="en-US" sz="1100" b="0" i="0" u="none" strike="noStrike">
-                        <a:solidFill>
-                          <a:srgbClr val="000000"/>
-                        </a:solidFill>
-                        <a:effectLst/>
-                        <a:latin typeface="Calibri" panose="020F0502020204030204" pitchFamily="34" charset="0"/>
-                      </a:endParaRPr>
-                    </a:p>
-                  </a:txBody>
-                  <a:tcPr marL="4763" marR="4763" marT="4763" marB="0" anchor="b"/>
-                </a:tc>
-                <a:tc>
-                  <a:txBody>
-                    <a:bodyPr/>
-                    <a:lstStyle/>
-                    <a:p>
-                      <a:pPr algn="l" fontAlgn="b"/>
-                      <a:r>
-                        <a:rPr lang="en-US" sz="1100" u="none" strike="noStrike">
-                          <a:effectLst/>
-                        </a:rPr>
-                        <a:t>                    1.00 </a:t>
-                      </a:r>
-                      <a:endParaRPr lang="en-US" sz="1100" b="0" i="0" u="none" strike="noStrike">
-                        <a:solidFill>
-                          <a:srgbClr val="000000"/>
-                        </a:solidFill>
-                        <a:effectLst/>
-                        <a:latin typeface="Calibri" panose="020F0502020204030204" pitchFamily="34" charset="0"/>
-                      </a:endParaRPr>
-                    </a:p>
-                  </a:txBody>
-                  <a:tcPr marL="4763" marR="4763" marT="4763" marB="0" anchor="b"/>
-                </a:tc>
-                <a:tc>
-                  <a:txBody>
-                    <a:bodyPr/>
-                    <a:lstStyle/>
-                    <a:p>
-                      <a:pPr algn="l" fontAlgn="b"/>
-                      <a:r>
-                        <a:rPr lang="en-US" sz="1100" u="none" strike="noStrike">
-                          <a:effectLst/>
-                        </a:rPr>
-                        <a:t>              1.00 </a:t>
-                      </a:r>
-                      <a:endParaRPr lang="en-US" sz="1100" b="0" i="0" u="none" strike="noStrike">
-                        <a:solidFill>
-                          <a:srgbClr val="000000"/>
-                        </a:solidFill>
-                        <a:effectLst/>
-                        <a:latin typeface="Calibri" panose="020F0502020204030204" pitchFamily="34" charset="0"/>
-                      </a:endParaRPr>
-                    </a:p>
-                  </a:txBody>
-                  <a:tcPr marL="4763" marR="4763" marT="4763" marB="0" anchor="b"/>
-                </a:tc>
-                <a:tc>
-                  <a:txBody>
-                    <a:bodyPr/>
-                    <a:lstStyle/>
-                    <a:p>
-                      <a:pPr algn="l" fontAlgn="b"/>
-                      <a:r>
-                        <a:rPr lang="en-US" sz="1100" u="none" strike="noStrike">
-                          <a:effectLst/>
-                        </a:rPr>
-                        <a:t>                  1.00 </a:t>
-                      </a:r>
-                      <a:endParaRPr lang="en-US" sz="1100" b="0" i="0" u="none" strike="noStrike">
-                        <a:solidFill>
-                          <a:srgbClr val="000000"/>
-                        </a:solidFill>
-                        <a:effectLst/>
-                        <a:latin typeface="Calibri" panose="020F0502020204030204" pitchFamily="34" charset="0"/>
-                      </a:endParaRPr>
-                    </a:p>
-                  </a:txBody>
-                  <a:tcPr marL="4763" marR="4763" marT="4763" marB="0" anchor="b"/>
-                </a:tc>
-                <a:tc>
-                  <a:txBody>
-                    <a:bodyPr/>
-                    <a:lstStyle/>
-                    <a:p>
-                      <a:pPr algn="l" fontAlgn="b"/>
-                      <a:r>
-                        <a:rPr lang="en-US" sz="1100" u="none" strike="noStrike">
-                          <a:effectLst/>
-                        </a:rPr>
-                        <a:t>         0.85 </a:t>
-                      </a:r>
-                      <a:endParaRPr lang="en-US" sz="1100" b="0" i="0" u="none" strike="noStrike">
-                        <a:solidFill>
-                          <a:srgbClr val="000000"/>
-                        </a:solidFill>
-                        <a:effectLst/>
-                        <a:latin typeface="Calibri" panose="020F0502020204030204" pitchFamily="34" charset="0"/>
-                      </a:endParaRPr>
-                    </a:p>
-                  </a:txBody>
-                  <a:tcPr marL="4763" marR="4763" marT="4763" marB="0" anchor="b"/>
-                </a:tc>
-                <a:tc>
-                  <a:txBody>
-                    <a:bodyPr/>
-                    <a:lstStyle/>
-                    <a:p>
-                      <a:pPr algn="l" fontAlgn="b"/>
-                      <a:r>
-                        <a:rPr lang="en-US" sz="1100" u="none" strike="noStrike">
-                          <a:effectLst/>
-                        </a:rPr>
-                        <a:t>         0.10 </a:t>
-                      </a:r>
-                      <a:endParaRPr lang="en-US" sz="1100" b="0" i="0" u="none" strike="noStrike">
-                        <a:solidFill>
-                          <a:srgbClr val="000000"/>
-                        </a:solidFill>
-                        <a:effectLst/>
-                        <a:latin typeface="Calibri" panose="020F0502020204030204" pitchFamily="34" charset="0"/>
-                      </a:endParaRPr>
-                    </a:p>
-                  </a:txBody>
-                  <a:tcPr marL="4763" marR="4763" marT="4763" marB="0" anchor="b"/>
-                </a:tc>
-                <a:tc>
-                  <a:txBody>
-                    <a:bodyPr/>
-                    <a:lstStyle/>
-                    <a:p>
-                      <a:pPr algn="l" fontAlgn="b"/>
-                      <a:r>
-                        <a:rPr lang="en-US" sz="1100" u="none" strike="noStrike">
-                          <a:effectLst/>
-                        </a:rPr>
-                        <a:t>         0.11 </a:t>
-                      </a:r>
-                      <a:endParaRPr lang="en-US" sz="1100" b="0" i="0" u="none" strike="noStrike">
-                        <a:solidFill>
-                          <a:srgbClr val="000000"/>
-                        </a:solidFill>
-                        <a:effectLst/>
-                        <a:latin typeface="Calibri" panose="020F0502020204030204" pitchFamily="34" charset="0"/>
-                      </a:endParaRPr>
-                    </a:p>
-                  </a:txBody>
-                  <a:tcPr marL="4763" marR="4763" marT="4763" marB="0" anchor="b"/>
-                </a:tc>
-                <a:tc>
-                  <a:txBody>
-                    <a:bodyPr/>
-                    <a:lstStyle/>
-                    <a:p>
-                      <a:pPr algn="l" fontAlgn="b"/>
-                      <a:r>
-                        <a:rPr lang="en-US" sz="1100" u="none" strike="noStrike" dirty="0">
-                          <a:effectLst/>
-                        </a:rPr>
-                        <a:t>         0.11 </a:t>
-                      </a:r>
-                      <a:endParaRPr lang="en-US" sz="1100" b="0" i="0" u="none" strike="noStrike" dirty="0">
-                        <a:solidFill>
-                          <a:srgbClr val="000000"/>
-                        </a:solidFill>
-                        <a:effectLst/>
-                        <a:latin typeface="Calibri" panose="020F0502020204030204" pitchFamily="34" charset="0"/>
-                      </a:endParaRPr>
-                    </a:p>
-                  </a:txBody>
-                  <a:tcPr marL="4763" marR="4763" marT="4763" marB="0" anchor="b"/>
-                </a:tc>
-                <a:extLst>
-                  <a:ext uri="{0D108BD9-81ED-4DB2-BD59-A6C34878D82A}">
-                    <a16:rowId xmlns:a16="http://schemas.microsoft.com/office/drawing/2014/main" val="233582632"/>
+                    <a16:rowId xmlns:a16="http://schemas.microsoft.com/office/drawing/2014/main" val="4157636700"/>
                   </a:ext>
                 </a:extLst>
               </a:tr>
@@ -12164,10 +11461,45 @@
           </a:graphicData>
         </a:graphic>
       </p:graphicFrame>
+      <p:sp>
+        <p:nvSpPr>
+          <p:cNvPr id="3" name="TextBox 2">
+            <a:extLst>
+              <a:ext uri="{FF2B5EF4-FFF2-40B4-BE49-F238E27FC236}">
+                <a16:creationId xmlns:a16="http://schemas.microsoft.com/office/drawing/2014/main" id="{87753401-DF29-4E19-8AB6-694B32C934FF}"/>
+              </a:ext>
+            </a:extLst>
+          </p:cNvPr>
+          <p:cNvSpPr txBox="1"/>
+          <p:nvPr/>
+        </p:nvSpPr>
+        <p:spPr>
+          <a:xfrm>
+            <a:off x="1961820" y="4094807"/>
+            <a:ext cx="4083810" cy="369332"/>
+          </a:xfrm>
+          <a:prstGeom prst="rect">
+            <a:avLst/>
+          </a:prstGeom>
+          <a:noFill/>
+        </p:spPr>
+        <p:txBody>
+          <a:bodyPr wrap="none" rtlCol="0">
+            <a:spAutoFit/>
+          </a:bodyPr>
+          <a:lstStyle/>
+          <a:p>
+            <a:r>
+              <a:rPr lang="en-US" dirty="0"/>
+              <a:t>We have oversampled to skewed data</a:t>
+            </a:r>
+          </a:p>
+        </p:txBody>
+      </p:sp>
     </p:spTree>
     <p:extLst>
       <p:ext uri="{BB962C8B-B14F-4D97-AF65-F5344CB8AC3E}">
-        <p14:creationId xmlns:p14="http://schemas.microsoft.com/office/powerpoint/2010/main" val="2656173469"/>
+        <p14:creationId xmlns:p14="http://schemas.microsoft.com/office/powerpoint/2010/main" val="2860001489"/>
       </p:ext>
     </p:extLst>
   </p:cSld>
@@ -15212,7 +14544,7 @@
         </p:spPr>
         <p:txBody>
           <a:bodyPr>
-            <a:normAutofit/>
+            <a:normAutofit lnSpcReduction="10000"/>
           </a:bodyPr>
           <a:lstStyle/>
           <a:p>
@@ -15259,9 +14591,22 @@
                 <a:latin typeface="Helvetica Neue"/>
                 <a:sym typeface="Helvetica Neue"/>
               </a:rPr>
-              <a:t>*Recall details, analysis using historical data</a:t>
-            </a:r>
-            <a:endParaRPr lang="en-US" dirty="0"/>
+              <a:t>For this use-case catching the default case is more important, as if a client defaults the firm will loose the whole credit amount. In </a:t>
+            </a:r>
+            <a:r>
+              <a:rPr lang="en-US" dirty="0"/>
+              <a:t>2019(Pre Covid), JP Morgan reported $5.6 billion net charge-offs.</a:t>
+            </a:r>
+          </a:p>
+          <a:p>
+            <a:pPr lvl="1">
+              <a:buFont typeface="Wingdings" panose="05000000000000000000" pitchFamily="2" charset="2"/>
+              <a:buChar char="Ø"/>
+            </a:pPr>
+            <a:r>
+              <a:rPr lang="en-US" dirty="0"/>
+              <a:t>On the other hand, if we classify someone as default, the firm may loose the business.</a:t>
+            </a:r>
           </a:p>
           <a:p>
             <a:r>
@@ -15348,7 +14693,7 @@
           <p:cNvPr id="2" name="Title 1">
             <a:extLst>
               <a:ext uri="{FF2B5EF4-FFF2-40B4-BE49-F238E27FC236}">
-                <a16:creationId xmlns:a16="http://schemas.microsoft.com/office/drawing/2014/main" id="{D2936741-324E-4B50-8095-4066C5CB1104}"/>
+                <a16:creationId xmlns:a16="http://schemas.microsoft.com/office/drawing/2014/main" id="{5A7FCCCD-8861-4484-A196-50501709AA39}"/>
               </a:ext>
             </a:extLst>
           </p:cNvPr>
@@ -15361,14 +14706,12 @@
         </p:nvSpPr>
         <p:spPr/>
         <p:txBody>
-          <a:bodyPr>
-            <a:normAutofit/>
-          </a:bodyPr>
+          <a:bodyPr/>
           <a:lstStyle/>
           <a:p>
             <a:r>
-              <a:rPr lang="en-US" sz="2800" dirty="0"/>
-              <a:t>Final Considerations - Training</a:t>
+              <a:rPr lang="en-US" dirty="0"/>
+              <a:t>Key observation of the dataset</a:t>
             </a:r>
           </a:p>
         </p:txBody>
@@ -15378,7 +14721,7 @@
           <p:cNvPr id="3" name="Content Placeholder 2">
             <a:extLst>
               <a:ext uri="{FF2B5EF4-FFF2-40B4-BE49-F238E27FC236}">
-                <a16:creationId xmlns:a16="http://schemas.microsoft.com/office/drawing/2014/main" id="{978F53C6-2C50-400B-9120-4E632462F30A}"/>
+                <a16:creationId xmlns:a16="http://schemas.microsoft.com/office/drawing/2014/main" id="{09AD7496-36DE-4A60-8C12-64EEFA4D29D6}"/>
               </a:ext>
             </a:extLst>
           </p:cNvPr>
@@ -15391,121 +14734,75 @@
         </p:nvSpPr>
         <p:spPr>
           <a:xfrm>
-            <a:off x="677334" y="1423969"/>
-            <a:ext cx="8596668" cy="4152747"/>
+            <a:off x="724093" y="2196957"/>
+            <a:ext cx="8596668" cy="3880773"/>
           </a:xfrm>
         </p:spPr>
         <p:txBody>
-          <a:bodyPr/>
+          <a:bodyPr>
+            <a:normAutofit fontScale="77500" lnSpcReduction="20000"/>
+          </a:bodyPr>
           <a:lstStyle/>
           <a:p>
             <a:r>
               <a:rPr lang="en-US" dirty="0"/>
-              <a:t>Matched historical credit card loan applicant data with historical outcomes (default vs paid)</a:t>
+              <a:t>This is an imbalanced dataset. There are far more loans that were repaid on time than loans that were not repaid.</a:t>
             </a:r>
           </a:p>
           <a:p>
             <a:r>
               <a:rPr lang="en-US" dirty="0"/>
-              <a:t>Used four models:</a:t>
-            </a:r>
-          </a:p>
-          <a:p>
-            <a:pPr lvl="1">
-              <a:buFont typeface="Wingdings" panose="05000000000000000000" pitchFamily="2" charset="2"/>
-              <a:buChar char="Ø"/>
-            </a:pPr>
+              <a:t>The Risk of Failure to repay was higher in the younger age group as compared to older applicants. As the age increased the risk decreased </a:t>
+            </a:r>
+          </a:p>
+          <a:p>
             <a:r>
               <a:rPr lang="en-US" dirty="0"/>
-              <a:t>Decision Tree</a:t>
-            </a:r>
-          </a:p>
-          <a:p>
-            <a:pPr lvl="1">
-              <a:buFont typeface="Wingdings" panose="05000000000000000000" pitchFamily="2" charset="2"/>
-              <a:buChar char="Ø"/>
-            </a:pPr>
+              <a:t>The percentage of Cash loans is way higher than the number of Revolving loans for both Target = 0 and Target = 1</a:t>
+            </a:r>
+          </a:p>
+          <a:p>
             <a:r>
               <a:rPr lang="en-US" dirty="0"/>
-              <a:t>Random Forest</a:t>
-            </a:r>
-          </a:p>
-          <a:p>
-            <a:pPr lvl="1">
-              <a:buFont typeface="Wingdings" panose="05000000000000000000" pitchFamily="2" charset="2"/>
-              <a:buChar char="Ø"/>
-            </a:pPr>
+              <a:t>The percentage of Females taking loans is higher than the number of Males for both Target = 0 and Target = 1</a:t>
+            </a:r>
+          </a:p>
+          <a:p>
             <a:r>
               <a:rPr lang="en-US" dirty="0"/>
-              <a:t>Linear</a:t>
-            </a:r>
-          </a:p>
-          <a:p>
-            <a:pPr lvl="1">
-              <a:buFont typeface="Wingdings" panose="05000000000000000000" pitchFamily="2" charset="2"/>
-              <a:buChar char="Ø"/>
-            </a:pPr>
+              <a:t>Most people applying for loan own realty</a:t>
+            </a:r>
+          </a:p>
+          <a:p>
             <a:r>
               <a:rPr lang="en-US" dirty="0"/>
-              <a:t>KNN</a:t>
-            </a:r>
-          </a:p>
-          <a:p>
-            <a:pPr lvl="1">
-              <a:buFont typeface="Wingdings" panose="05000000000000000000" pitchFamily="2" charset="2"/>
-              <a:buChar char="Ø"/>
-            </a:pPr>
-            <a:r>
-              <a:rPr lang="en-US" dirty="0" err="1"/>
-              <a:t>XGBoost</a:t>
-            </a:r>
-            <a:endParaRPr lang="en-US" dirty="0"/>
-          </a:p>
-          <a:p>
-            <a:endParaRPr lang="en-US" dirty="0"/>
-          </a:p>
-          <a:p>
-            <a:endParaRPr lang="en-US" dirty="0"/>
-          </a:p>
-          <a:p>
-            <a:endParaRPr lang="en-US" dirty="0"/>
+              <a:t>Most of the people applying for loan do not own a car. people with car are more in case of non-defaulters</a:t>
+            </a:r>
+          </a:p>
+          <a:p>
+            <a:r>
+              <a:rPr lang="en-US" dirty="0"/>
+              <a:t>Mean employment tenure is skewed due to outliers and needs to be filtered to get a better model</a:t>
+            </a:r>
+          </a:p>
+          <a:p>
+            <a:r>
+              <a:rPr lang="en-US" dirty="0"/>
+              <a:t>We handled missing data, data errors</a:t>
+            </a:r>
+          </a:p>
+          <a:p>
+            <a:r>
+              <a:rPr lang="en-US" dirty="0"/>
+              <a:t>A large number of attributes were dropped since they either provided duplicate information or were insignificant in model performance</a:t>
+            </a:r>
           </a:p>
         </p:txBody>
       </p:sp>
-      <p:pic>
-        <p:nvPicPr>
-          <p:cNvPr id="5" name="Picture 4">
-            <a:extLst>
-              <a:ext uri="{FF2B5EF4-FFF2-40B4-BE49-F238E27FC236}">
-                <a16:creationId xmlns:a16="http://schemas.microsoft.com/office/drawing/2014/main" id="{D5D19103-3D39-4D26-AFBC-2C6E95BA7956}"/>
-              </a:ext>
-            </a:extLst>
-          </p:cNvPr>
-          <p:cNvPicPr>
-            <a:picLocks noChangeAspect="1"/>
-          </p:cNvPicPr>
-          <p:nvPr/>
-        </p:nvPicPr>
-        <p:blipFill>
-          <a:blip r:embed="rId2"/>
-          <a:stretch>
-            <a:fillRect/>
-          </a:stretch>
-        </p:blipFill>
-        <p:spPr>
-          <a:xfrm>
-            <a:off x="143431" y="4402375"/>
-            <a:ext cx="10344150" cy="1787715"/>
-          </a:xfrm>
-          <a:prstGeom prst="rect">
-            <a:avLst/>
-          </a:prstGeom>
-        </p:spPr>
-      </p:pic>
     </p:spTree>
     <p:extLst>
       <p:ext uri="{BB962C8B-B14F-4D97-AF65-F5344CB8AC3E}">
-        <p14:creationId xmlns:p14="http://schemas.microsoft.com/office/powerpoint/2010/main" val="3031979751"/>
+        <p14:creationId xmlns:p14="http://schemas.microsoft.com/office/powerpoint/2010/main" val="1795880387"/>
       </p:ext>
     </p:extLst>
   </p:cSld>
@@ -15562,34 +14859,480 @@
           </a:p>
         </p:txBody>
       </p:sp>
-      <p:sp>
-        <p:nvSpPr>
-          <p:cNvPr id="3" name="Content Placeholder 2">
+      <p:graphicFrame>
+        <p:nvGraphicFramePr>
+          <p:cNvPr id="4" name="Table 3">
             <a:extLst>
               <a:ext uri="{FF2B5EF4-FFF2-40B4-BE49-F238E27FC236}">
-                <a16:creationId xmlns:a16="http://schemas.microsoft.com/office/drawing/2014/main" id="{BE12DBAB-0467-4D0B-8058-F622C786C92E}"/>
+                <a16:creationId xmlns:a16="http://schemas.microsoft.com/office/drawing/2014/main" id="{B93B5B8D-EBBF-4C6A-B5AF-F6010552A030}"/>
               </a:ext>
             </a:extLst>
           </p:cNvPr>
-          <p:cNvSpPr>
-            <a:spLocks noGrp="1"/>
-          </p:cNvSpPr>
+          <p:cNvGraphicFramePr>
+            <a:graphicFrameLocks noGrp="1"/>
+          </p:cNvGraphicFramePr>
           <p:nvPr>
-            <p:ph idx="1"/>
+            <p:extLst>
+              <p:ext uri="{D42A27DB-BD31-4B8C-83A1-F6EECF244321}">
+                <p14:modId xmlns:p14="http://schemas.microsoft.com/office/powerpoint/2010/main" val="2818291726"/>
+              </p:ext>
+            </p:extLst>
           </p:nvPr>
-        </p:nvSpPr>
-        <p:spPr/>
-        <p:txBody>
-          <a:bodyPr/>
-          <a:lstStyle/>
-          <a:p>
-            <a:r>
-              <a:rPr lang="en-US" dirty="0"/>
-              <a:t>*List important attributes consumed</a:t>
-            </a:r>
-          </a:p>
-        </p:txBody>
-      </p:sp>
+        </p:nvGraphicFramePr>
+        <p:xfrm>
+          <a:off x="746568" y="2205264"/>
+          <a:ext cx="8749124" cy="1664018"/>
+        </p:xfrm>
+        <a:graphic>
+          <a:graphicData uri="http://schemas.openxmlformats.org/drawingml/2006/table">
+            <a:tbl>
+              <a:tblPr>
+                <a:tableStyleId>{8A107856-5554-42FB-B03E-39F5DBC370BA}</a:tableStyleId>
+              </a:tblPr>
+              <a:tblGrid>
+                <a:gridCol w="2288778">
+                  <a:extLst>
+                    <a:ext uri="{9D8B030D-6E8A-4147-A177-3AD203B41FA5}">
+                      <a16:colId xmlns:a16="http://schemas.microsoft.com/office/drawing/2014/main" val="1595277168"/>
+                    </a:ext>
+                  </a:extLst>
+                </a:gridCol>
+                <a:gridCol w="6460346">
+                  <a:extLst>
+                    <a:ext uri="{9D8B030D-6E8A-4147-A177-3AD203B41FA5}">
+                      <a16:colId xmlns:a16="http://schemas.microsoft.com/office/drawing/2014/main" val="397174288"/>
+                    </a:ext>
+                  </a:extLst>
+                </a:gridCol>
+              </a:tblGrid>
+              <a:tr h="238125">
+                <a:tc>
+                  <a:txBody>
+                    <a:bodyPr/>
+                    <a:lstStyle/>
+                    <a:p>
+                      <a:pPr algn="l" fontAlgn="b"/>
+                      <a:r>
+                        <a:rPr lang="en-US" sz="1100" b="1" u="none" strike="noStrike">
+                          <a:effectLst/>
+                        </a:rPr>
+                        <a:t>Column Name</a:t>
+                      </a:r>
+                      <a:endParaRPr lang="en-US" sz="1100" b="1" i="0" u="none" strike="noStrike">
+                        <a:solidFill>
+                          <a:srgbClr val="000000"/>
+                        </a:solidFill>
+                        <a:effectLst/>
+                        <a:latin typeface="Calibri" panose="020F0502020204030204" pitchFamily="34" charset="0"/>
+                      </a:endParaRPr>
+                    </a:p>
+                  </a:txBody>
+                  <a:tcPr marL="4763" marR="4763" marT="4763" marB="0" anchor="b"/>
+                </a:tc>
+                <a:tc>
+                  <a:txBody>
+                    <a:bodyPr/>
+                    <a:lstStyle/>
+                    <a:p>
+                      <a:pPr algn="l" fontAlgn="b"/>
+                      <a:r>
+                        <a:rPr lang="en-US" sz="1100" b="1" u="none" strike="noStrike" dirty="0">
+                          <a:effectLst/>
+                        </a:rPr>
+                        <a:t>Column Description</a:t>
+                      </a:r>
+                      <a:endParaRPr lang="en-US" sz="1100" b="1" i="0" u="none" strike="noStrike" dirty="0">
+                        <a:solidFill>
+                          <a:srgbClr val="000000"/>
+                        </a:solidFill>
+                        <a:effectLst/>
+                        <a:latin typeface="Calibri" panose="020F0502020204030204" pitchFamily="34" charset="0"/>
+                      </a:endParaRPr>
+                    </a:p>
+                  </a:txBody>
+                  <a:tcPr marL="4763" marR="4763" marT="4763" marB="0" anchor="b"/>
+                </a:tc>
+                <a:extLst>
+                  <a:ext uri="{0D108BD9-81ED-4DB2-BD59-A6C34878D82A}">
+                    <a16:rowId xmlns:a16="http://schemas.microsoft.com/office/drawing/2014/main" val="2367951476"/>
+                  </a:ext>
+                </a:extLst>
+              </a:tr>
+              <a:tr h="180975">
+                <a:tc>
+                  <a:txBody>
+                    <a:bodyPr/>
+                    <a:lstStyle/>
+                    <a:p>
+                      <a:pPr algn="l" fontAlgn="b"/>
+                      <a:r>
+                        <a:rPr lang="en-US" sz="1100" u="none" strike="noStrike">
+                          <a:effectLst/>
+                        </a:rPr>
+                        <a:t>AMT_ANNUITY</a:t>
+                      </a:r>
+                      <a:endParaRPr lang="en-US" sz="1100" b="0" i="0" u="none" strike="noStrike">
+                        <a:solidFill>
+                          <a:srgbClr val="000000"/>
+                        </a:solidFill>
+                        <a:effectLst/>
+                        <a:latin typeface="Calibri" panose="020F0502020204030204" pitchFamily="34" charset="0"/>
+                      </a:endParaRPr>
+                    </a:p>
+                  </a:txBody>
+                  <a:tcPr marL="4763" marR="4763" marT="4763" marB="0" anchor="b"/>
+                </a:tc>
+                <a:tc>
+                  <a:txBody>
+                    <a:bodyPr/>
+                    <a:lstStyle/>
+                    <a:p>
+                      <a:pPr algn="l" fontAlgn="b"/>
+                      <a:r>
+                        <a:rPr lang="en-US" sz="1100" u="none" strike="noStrike">
+                          <a:effectLst/>
+                        </a:rPr>
+                        <a:t>Loan annuity</a:t>
+                      </a:r>
+                      <a:endParaRPr lang="en-US" sz="1100" b="0" i="0" u="none" strike="noStrike">
+                        <a:solidFill>
+                          <a:srgbClr val="000000"/>
+                        </a:solidFill>
+                        <a:effectLst/>
+                        <a:latin typeface="Calibri" panose="020F0502020204030204" pitchFamily="34" charset="0"/>
+                      </a:endParaRPr>
+                    </a:p>
+                  </a:txBody>
+                  <a:tcPr marL="4763" marR="4763" marT="4763" marB="0" anchor="b"/>
+                </a:tc>
+                <a:extLst>
+                  <a:ext uri="{0D108BD9-81ED-4DB2-BD59-A6C34878D82A}">
+                    <a16:rowId xmlns:a16="http://schemas.microsoft.com/office/drawing/2014/main" val="2822462015"/>
+                  </a:ext>
+                </a:extLst>
+              </a:tr>
+              <a:tr h="180975">
+                <a:tc>
+                  <a:txBody>
+                    <a:bodyPr/>
+                    <a:lstStyle/>
+                    <a:p>
+                      <a:pPr algn="l" fontAlgn="b"/>
+                      <a:r>
+                        <a:rPr lang="en-US" sz="1100" u="none" strike="noStrike">
+                          <a:effectLst/>
+                        </a:rPr>
+                        <a:t>AMT_CREDIT</a:t>
+                      </a:r>
+                      <a:endParaRPr lang="en-US" sz="1100" b="0" i="0" u="none" strike="noStrike">
+                        <a:solidFill>
+                          <a:srgbClr val="000000"/>
+                        </a:solidFill>
+                        <a:effectLst/>
+                        <a:latin typeface="Calibri" panose="020F0502020204030204" pitchFamily="34" charset="0"/>
+                      </a:endParaRPr>
+                    </a:p>
+                  </a:txBody>
+                  <a:tcPr marL="4763" marR="4763" marT="4763" marB="0" anchor="b"/>
+                </a:tc>
+                <a:tc>
+                  <a:txBody>
+                    <a:bodyPr/>
+                    <a:lstStyle/>
+                    <a:p>
+                      <a:pPr algn="l" fontAlgn="b"/>
+                      <a:r>
+                        <a:rPr lang="en-US" sz="1100" u="none" strike="noStrike">
+                          <a:effectLst/>
+                        </a:rPr>
+                        <a:t>Credit amount of the loan</a:t>
+                      </a:r>
+                      <a:endParaRPr lang="en-US" sz="1100" b="0" i="0" u="none" strike="noStrike">
+                        <a:solidFill>
+                          <a:srgbClr val="000000"/>
+                        </a:solidFill>
+                        <a:effectLst/>
+                        <a:latin typeface="Calibri" panose="020F0502020204030204" pitchFamily="34" charset="0"/>
+                      </a:endParaRPr>
+                    </a:p>
+                  </a:txBody>
+                  <a:tcPr marL="4763" marR="4763" marT="4763" marB="0" anchor="b"/>
+                </a:tc>
+                <a:extLst>
+                  <a:ext uri="{0D108BD9-81ED-4DB2-BD59-A6C34878D82A}">
+                    <a16:rowId xmlns:a16="http://schemas.microsoft.com/office/drawing/2014/main" val="1653977606"/>
+                  </a:ext>
+                </a:extLst>
+              </a:tr>
+              <a:tr h="180975">
+                <a:tc>
+                  <a:txBody>
+                    <a:bodyPr/>
+                    <a:lstStyle/>
+                    <a:p>
+                      <a:pPr algn="l" fontAlgn="b"/>
+                      <a:r>
+                        <a:rPr lang="en-US" sz="1100" u="none" strike="noStrike">
+                          <a:effectLst/>
+                        </a:rPr>
+                        <a:t>AMT_GOODS_PRICE</a:t>
+                      </a:r>
+                      <a:endParaRPr lang="en-US" sz="1100" b="0" i="0" u="none" strike="noStrike">
+                        <a:solidFill>
+                          <a:srgbClr val="000000"/>
+                        </a:solidFill>
+                        <a:effectLst/>
+                        <a:latin typeface="Calibri" panose="020F0502020204030204" pitchFamily="34" charset="0"/>
+                      </a:endParaRPr>
+                    </a:p>
+                  </a:txBody>
+                  <a:tcPr marL="4763" marR="4763" marT="4763" marB="0" anchor="b"/>
+                </a:tc>
+                <a:tc>
+                  <a:txBody>
+                    <a:bodyPr/>
+                    <a:lstStyle/>
+                    <a:p>
+                      <a:pPr algn="l" fontAlgn="b"/>
+                      <a:r>
+                        <a:rPr lang="en-US" sz="1100" u="none" strike="noStrike">
+                          <a:effectLst/>
+                        </a:rPr>
+                        <a:t>For consumer loans it is the price of the goods for which the loan is given</a:t>
+                      </a:r>
+                      <a:endParaRPr lang="en-US" sz="1100" b="0" i="0" u="none" strike="noStrike">
+                        <a:solidFill>
+                          <a:srgbClr val="000000"/>
+                        </a:solidFill>
+                        <a:effectLst/>
+                        <a:latin typeface="Calibri" panose="020F0502020204030204" pitchFamily="34" charset="0"/>
+                      </a:endParaRPr>
+                    </a:p>
+                  </a:txBody>
+                  <a:tcPr marL="4763" marR="4763" marT="4763" marB="0" anchor="b"/>
+                </a:tc>
+                <a:extLst>
+                  <a:ext uri="{0D108BD9-81ED-4DB2-BD59-A6C34878D82A}">
+                    <a16:rowId xmlns:a16="http://schemas.microsoft.com/office/drawing/2014/main" val="2240379232"/>
+                  </a:ext>
+                </a:extLst>
+              </a:tr>
+              <a:tr h="180975">
+                <a:tc>
+                  <a:txBody>
+                    <a:bodyPr/>
+                    <a:lstStyle/>
+                    <a:p>
+                      <a:pPr algn="l" fontAlgn="b"/>
+                      <a:r>
+                        <a:rPr lang="en-US" sz="1100" u="none" strike="noStrike">
+                          <a:effectLst/>
+                        </a:rPr>
+                        <a:t>AMT_INCOME_TOTAL</a:t>
+                      </a:r>
+                      <a:endParaRPr lang="en-US" sz="1100" b="0" i="0" u="none" strike="noStrike">
+                        <a:solidFill>
+                          <a:srgbClr val="000000"/>
+                        </a:solidFill>
+                        <a:effectLst/>
+                        <a:latin typeface="Calibri" panose="020F0502020204030204" pitchFamily="34" charset="0"/>
+                      </a:endParaRPr>
+                    </a:p>
+                  </a:txBody>
+                  <a:tcPr marL="4763" marR="4763" marT="4763" marB="0" anchor="b"/>
+                </a:tc>
+                <a:tc>
+                  <a:txBody>
+                    <a:bodyPr/>
+                    <a:lstStyle/>
+                    <a:p>
+                      <a:pPr algn="l" fontAlgn="b"/>
+                      <a:r>
+                        <a:rPr lang="en-US" sz="1100" u="none" strike="noStrike">
+                          <a:effectLst/>
+                        </a:rPr>
+                        <a:t>Income of the client</a:t>
+                      </a:r>
+                      <a:endParaRPr lang="en-US" sz="1100" b="0" i="0" u="none" strike="noStrike">
+                        <a:solidFill>
+                          <a:srgbClr val="000000"/>
+                        </a:solidFill>
+                        <a:effectLst/>
+                        <a:latin typeface="Calibri" panose="020F0502020204030204" pitchFamily="34" charset="0"/>
+                      </a:endParaRPr>
+                    </a:p>
+                  </a:txBody>
+                  <a:tcPr marL="4763" marR="4763" marT="4763" marB="0" anchor="b"/>
+                </a:tc>
+                <a:extLst>
+                  <a:ext uri="{0D108BD9-81ED-4DB2-BD59-A6C34878D82A}">
+                    <a16:rowId xmlns:a16="http://schemas.microsoft.com/office/drawing/2014/main" val="4075982505"/>
+                  </a:ext>
+                </a:extLst>
+              </a:tr>
+              <a:tr h="180975">
+                <a:tc>
+                  <a:txBody>
+                    <a:bodyPr/>
+                    <a:lstStyle/>
+                    <a:p>
+                      <a:pPr algn="l" fontAlgn="b"/>
+                      <a:r>
+                        <a:rPr lang="en-US" sz="1100" u="none" strike="noStrike">
+                          <a:effectLst/>
+                        </a:rPr>
+                        <a:t>AMT_REQ_CREDIT_BUREAU_YEAR</a:t>
+                      </a:r>
+                      <a:endParaRPr lang="en-US" sz="1100" b="0" i="0" u="none" strike="noStrike">
+                        <a:solidFill>
+                          <a:srgbClr val="000000"/>
+                        </a:solidFill>
+                        <a:effectLst/>
+                        <a:latin typeface="Calibri" panose="020F0502020204030204" pitchFamily="34" charset="0"/>
+                      </a:endParaRPr>
+                    </a:p>
+                  </a:txBody>
+                  <a:tcPr marL="4763" marR="4763" marT="4763" marB="0" anchor="b"/>
+                </a:tc>
+                <a:tc>
+                  <a:txBody>
+                    <a:bodyPr/>
+                    <a:lstStyle/>
+                    <a:p>
+                      <a:pPr algn="l" fontAlgn="b"/>
+                      <a:r>
+                        <a:rPr lang="en-US" sz="1100" u="none" strike="noStrike">
+                          <a:effectLst/>
+                        </a:rPr>
+                        <a:t>Number of enquiries to Credit Bureau about the client one day year (excluding last 3 months before application)</a:t>
+                      </a:r>
+                      <a:endParaRPr lang="en-US" sz="1100" b="0" i="0" u="none" strike="noStrike">
+                        <a:solidFill>
+                          <a:srgbClr val="000000"/>
+                        </a:solidFill>
+                        <a:effectLst/>
+                        <a:latin typeface="Calibri" panose="020F0502020204030204" pitchFamily="34" charset="0"/>
+                      </a:endParaRPr>
+                    </a:p>
+                  </a:txBody>
+                  <a:tcPr marL="4763" marR="4763" marT="4763" marB="0" anchor="b"/>
+                </a:tc>
+                <a:extLst>
+                  <a:ext uri="{0D108BD9-81ED-4DB2-BD59-A6C34878D82A}">
+                    <a16:rowId xmlns:a16="http://schemas.microsoft.com/office/drawing/2014/main" val="1592336697"/>
+                  </a:ext>
+                </a:extLst>
+              </a:tr>
+              <a:tr h="180975">
+                <a:tc>
+                  <a:txBody>
+                    <a:bodyPr/>
+                    <a:lstStyle/>
+                    <a:p>
+                      <a:pPr algn="l" fontAlgn="b"/>
+                      <a:r>
+                        <a:rPr lang="en-US" sz="1100" u="none" strike="noStrike">
+                          <a:effectLst/>
+                        </a:rPr>
+                        <a:t>DAYS_BIRTH</a:t>
+                      </a:r>
+                      <a:endParaRPr lang="en-US" sz="1100" b="0" i="0" u="none" strike="noStrike">
+                        <a:solidFill>
+                          <a:srgbClr val="000000"/>
+                        </a:solidFill>
+                        <a:effectLst/>
+                        <a:latin typeface="Calibri" panose="020F0502020204030204" pitchFamily="34" charset="0"/>
+                      </a:endParaRPr>
+                    </a:p>
+                  </a:txBody>
+                  <a:tcPr marL="4763" marR="4763" marT="4763" marB="0" anchor="b"/>
+                </a:tc>
+                <a:tc>
+                  <a:txBody>
+                    <a:bodyPr/>
+                    <a:lstStyle/>
+                    <a:p>
+                      <a:pPr algn="l" fontAlgn="b"/>
+                      <a:r>
+                        <a:rPr lang="en-US" sz="1100" u="none" strike="noStrike" dirty="0">
+                          <a:effectLst/>
+                        </a:rPr>
+                        <a:t>Client's age in years at the time of application</a:t>
+                      </a:r>
+                      <a:endParaRPr lang="en-US" sz="1100" b="0" i="0" u="none" strike="noStrike" dirty="0">
+                        <a:solidFill>
+                          <a:srgbClr val="000000"/>
+                        </a:solidFill>
+                        <a:effectLst/>
+                        <a:latin typeface="Calibri" panose="020F0502020204030204" pitchFamily="34" charset="0"/>
+                      </a:endParaRPr>
+                    </a:p>
+                  </a:txBody>
+                  <a:tcPr marL="4763" marR="4763" marT="4763" marB="0" anchor="b"/>
+                </a:tc>
+                <a:extLst>
+                  <a:ext uri="{0D108BD9-81ED-4DB2-BD59-A6C34878D82A}">
+                    <a16:rowId xmlns:a16="http://schemas.microsoft.com/office/drawing/2014/main" val="3668353682"/>
+                  </a:ext>
+                </a:extLst>
+              </a:tr>
+              <a:tr h="180975">
+                <a:tc>
+                  <a:txBody>
+                    <a:bodyPr/>
+                    <a:lstStyle/>
+                    <a:p>
+                      <a:pPr algn="l" fontAlgn="b"/>
+                      <a:r>
+                        <a:rPr lang="en-US" sz="1100" u="none" strike="noStrike">
+                          <a:effectLst/>
+                        </a:rPr>
+                        <a:t>DAYS_EMPLOYED</a:t>
+                      </a:r>
+                      <a:endParaRPr lang="en-US" sz="1100" b="0" i="0" u="none" strike="noStrike">
+                        <a:solidFill>
+                          <a:srgbClr val="000000"/>
+                        </a:solidFill>
+                        <a:effectLst/>
+                        <a:latin typeface="Calibri" panose="020F0502020204030204" pitchFamily="34" charset="0"/>
+                      </a:endParaRPr>
+                    </a:p>
+                  </a:txBody>
+                  <a:tcPr marL="4763" marR="4763" marT="4763" marB="0" anchor="b"/>
+                </a:tc>
+                <a:tc>
+                  <a:txBody>
+                    <a:bodyPr/>
+                    <a:lstStyle/>
+                    <a:p>
+                      <a:pPr algn="l" fontAlgn="b"/>
+                      <a:r>
+                        <a:rPr lang="en-US" sz="1100" u="none" strike="noStrike" dirty="0">
+                          <a:effectLst/>
+                        </a:rPr>
+                        <a:t>How many months before the application the person started current employment</a:t>
+                      </a:r>
+                      <a:endParaRPr lang="en-US" sz="1100" b="0" i="0" u="none" strike="noStrike" dirty="0">
+                        <a:solidFill>
+                          <a:srgbClr val="000000"/>
+                        </a:solidFill>
+                        <a:effectLst/>
+                        <a:latin typeface="Calibri" panose="020F0502020204030204" pitchFamily="34" charset="0"/>
+                      </a:endParaRPr>
+                    </a:p>
+                  </a:txBody>
+                  <a:tcPr marL="4763" marR="4763" marT="4763" marB="0" anchor="b"/>
+                </a:tc>
+                <a:extLst>
+                  <a:ext uri="{0D108BD9-81ED-4DB2-BD59-A6C34878D82A}">
+                    <a16:rowId xmlns:a16="http://schemas.microsoft.com/office/drawing/2014/main" val="2489087043"/>
+                  </a:ext>
+                </a:extLst>
+              </a:tr>
+            </a:tbl>
+          </a:graphicData>
+        </a:graphic>
+      </p:graphicFrame>
     </p:spTree>
     <p:extLst>
       <p:ext uri="{BB962C8B-B14F-4D97-AF65-F5344CB8AC3E}">
@@ -15604,6 +15347,745 @@
 </file>
 
 <file path=ppt/slides/slide8.xml><?xml version="1.0" encoding="utf-8"?>
+<p:sld xmlns:a="http://schemas.openxmlformats.org/drawingml/2006/main" xmlns:r="http://schemas.openxmlformats.org/officeDocument/2006/relationships" xmlns:p="http://schemas.openxmlformats.org/presentationml/2006/main">
+  <p:cSld>
+    <p:spTree>
+      <p:nvGrpSpPr>
+        <p:cNvPr id="1" name=""/>
+        <p:cNvGrpSpPr/>
+        <p:nvPr/>
+      </p:nvGrpSpPr>
+      <p:grpSpPr>
+        <a:xfrm>
+          <a:off x="0" y="0"/>
+          <a:ext cx="0" cy="0"/>
+          <a:chOff x="0" y="0"/>
+          <a:chExt cx="0" cy="0"/>
+        </a:xfrm>
+      </p:grpSpPr>
+      <p:sp>
+        <p:nvSpPr>
+          <p:cNvPr id="2" name="Title 1">
+            <a:extLst>
+              <a:ext uri="{FF2B5EF4-FFF2-40B4-BE49-F238E27FC236}">
+                <a16:creationId xmlns:a16="http://schemas.microsoft.com/office/drawing/2014/main" id="{24002F7D-E4BD-4EB3-8EC2-386CEA586CD1}"/>
+              </a:ext>
+            </a:extLst>
+          </p:cNvPr>
+          <p:cNvSpPr>
+            <a:spLocks noGrp="1"/>
+          </p:cNvSpPr>
+          <p:nvPr>
+            <p:ph type="title"/>
+          </p:nvPr>
+        </p:nvSpPr>
+        <p:spPr/>
+        <p:txBody>
+          <a:bodyPr/>
+          <a:lstStyle/>
+          <a:p>
+            <a:r>
+              <a:rPr lang="en-US" dirty="0"/>
+              <a:t>Model Selection</a:t>
+            </a:r>
+          </a:p>
+        </p:txBody>
+      </p:sp>
+      <p:sp>
+        <p:nvSpPr>
+          <p:cNvPr id="4" name="TextBox 3">
+            <a:extLst>
+              <a:ext uri="{FF2B5EF4-FFF2-40B4-BE49-F238E27FC236}">
+                <a16:creationId xmlns:a16="http://schemas.microsoft.com/office/drawing/2014/main" id="{1F4531EE-D7D6-49AA-9985-0151E3E5E297}"/>
+              </a:ext>
+            </a:extLst>
+          </p:cNvPr>
+          <p:cNvSpPr txBox="1"/>
+          <p:nvPr/>
+        </p:nvSpPr>
+        <p:spPr>
+          <a:xfrm>
+            <a:off x="759417" y="4473241"/>
+            <a:ext cx="9608949" cy="1754326"/>
+          </a:xfrm>
+          <a:prstGeom prst="rect">
+            <a:avLst/>
+          </a:prstGeom>
+          <a:noFill/>
+        </p:spPr>
+        <p:txBody>
+          <a:bodyPr wrap="square">
+            <a:spAutoFit/>
+          </a:bodyPr>
+          <a:lstStyle/>
+          <a:p>
+            <a:r>
+              <a:rPr lang="en-US" sz="1200" dirty="0"/>
+              <a:t>Comparing our chosen model to the baseline (marking all applicants as not default):</a:t>
+            </a:r>
+          </a:p>
+          <a:p>
+            <a:endParaRPr lang="en-US" sz="1200" dirty="0"/>
+          </a:p>
+          <a:p>
+            <a:r>
+              <a:rPr lang="en-US" sz="1200" dirty="0"/>
+              <a:t>Baseline Accuracy Score : 0.9159</a:t>
+            </a:r>
+          </a:p>
+          <a:p>
+            <a:r>
+              <a:rPr lang="en-US" sz="1200" dirty="0"/>
+              <a:t>Our Best Accuracy Score : 0.91527</a:t>
+            </a:r>
+          </a:p>
+          <a:p>
+            <a:endParaRPr lang="en-US" sz="1200" dirty="0"/>
+          </a:p>
+          <a:p>
+            <a:r>
+              <a:rPr lang="en-US" sz="1200" dirty="0"/>
+              <a:t>Baseline Recall Score : 0.0</a:t>
+            </a:r>
+          </a:p>
+          <a:p>
+            <a:r>
+              <a:rPr lang="en-US" sz="1200" dirty="0"/>
+              <a:t>Model Recall Score : 0.658</a:t>
+            </a:r>
+          </a:p>
+          <a:p>
+            <a:endParaRPr lang="en-US" sz="1200" dirty="0"/>
+          </a:p>
+          <a:p>
+            <a:r>
+              <a:rPr lang="en-US" sz="1200" dirty="0"/>
+              <a:t>As it can be seen our model gives considerable improvements over the baseline for defaulter case.</a:t>
+            </a:r>
+          </a:p>
+        </p:txBody>
+      </p:sp>
+      <p:sp>
+        <p:nvSpPr>
+          <p:cNvPr id="5" name="TextBox 4">
+            <a:extLst>
+              <a:ext uri="{FF2B5EF4-FFF2-40B4-BE49-F238E27FC236}">
+                <a16:creationId xmlns:a16="http://schemas.microsoft.com/office/drawing/2014/main" id="{ECDD49AE-DFF8-42F3-8409-744738DDB38D}"/>
+              </a:ext>
+            </a:extLst>
+          </p:cNvPr>
+          <p:cNvSpPr txBox="1"/>
+          <p:nvPr/>
+        </p:nvSpPr>
+        <p:spPr>
+          <a:xfrm>
+            <a:off x="677335" y="1530457"/>
+            <a:ext cx="10163729" cy="1384995"/>
+          </a:xfrm>
+          <a:prstGeom prst="rect">
+            <a:avLst/>
+          </a:prstGeom>
+          <a:noFill/>
+        </p:spPr>
+        <p:txBody>
+          <a:bodyPr wrap="square" rtlCol="0">
+            <a:spAutoFit/>
+          </a:bodyPr>
+          <a:lstStyle/>
+          <a:p>
+            <a:r>
+              <a:rPr lang="en-US" sz="1200" dirty="0"/>
+              <a:t>With our project:</a:t>
+            </a:r>
+          </a:p>
+          <a:p>
+            <a:r>
+              <a:rPr lang="en-US" sz="1200" dirty="0"/>
+              <a:t>- A false positive will mean that the firm will lose the business of a potential 'good' client.</a:t>
+            </a:r>
+          </a:p>
+          <a:p>
+            <a:r>
+              <a:rPr lang="en-US" sz="1200" dirty="0"/>
+              <a:t>- A false negative will result in the firm losing money due to loaning to a defaulter client.</a:t>
+            </a:r>
+          </a:p>
+          <a:p>
+            <a:r>
+              <a:rPr lang="en-US" sz="1200" dirty="0"/>
+              <a:t>From the above we believe that a false negative will have a higher impact to model performance. We have compared the below models and come up with Random Forest model as it will give us the best recall for defaulters in test data.</a:t>
+            </a:r>
+          </a:p>
+          <a:p>
+            <a:r>
+              <a:rPr lang="en-US" sz="1200" dirty="0"/>
+              <a:t>KNN also has the same recall, but it has a higher false positive rate than Random Forest.</a:t>
+            </a:r>
+          </a:p>
+          <a:p>
+            <a:endParaRPr lang="en-US" sz="1200" dirty="0"/>
+          </a:p>
+        </p:txBody>
+      </p:sp>
+      <p:sp>
+        <p:nvSpPr>
+          <p:cNvPr id="6" name="TextBox 5">
+            <a:extLst>
+              <a:ext uri="{FF2B5EF4-FFF2-40B4-BE49-F238E27FC236}">
+                <a16:creationId xmlns:a16="http://schemas.microsoft.com/office/drawing/2014/main" id="{12D8388F-D8A2-40ED-B041-8EB613D6E639}"/>
+              </a:ext>
+            </a:extLst>
+          </p:cNvPr>
+          <p:cNvSpPr txBox="1"/>
+          <p:nvPr/>
+        </p:nvSpPr>
+        <p:spPr>
+          <a:xfrm>
+            <a:off x="867905" y="4986580"/>
+            <a:ext cx="184731" cy="369332"/>
+          </a:xfrm>
+          <a:prstGeom prst="rect">
+            <a:avLst/>
+          </a:prstGeom>
+          <a:noFill/>
+        </p:spPr>
+        <p:txBody>
+          <a:bodyPr wrap="none" rtlCol="0">
+            <a:spAutoFit/>
+          </a:bodyPr>
+          <a:lstStyle/>
+          <a:p>
+            <a:endParaRPr lang="en-US" dirty="0"/>
+          </a:p>
+        </p:txBody>
+      </p:sp>
+      <p:graphicFrame>
+        <p:nvGraphicFramePr>
+          <p:cNvPr id="8" name="Table 7">
+            <a:extLst>
+              <a:ext uri="{FF2B5EF4-FFF2-40B4-BE49-F238E27FC236}">
+                <a16:creationId xmlns:a16="http://schemas.microsoft.com/office/drawing/2014/main" id="{DAC264B7-3150-46CC-B25E-7D5E813B2107}"/>
+              </a:ext>
+            </a:extLst>
+          </p:cNvPr>
+          <p:cNvGraphicFramePr>
+            <a:graphicFrameLocks noGrp="1"/>
+          </p:cNvGraphicFramePr>
+          <p:nvPr>
+            <p:extLst>
+              <p:ext uri="{D42A27DB-BD31-4B8C-83A1-F6EECF244321}">
+                <p14:modId xmlns:p14="http://schemas.microsoft.com/office/powerpoint/2010/main" val="1675942189"/>
+              </p:ext>
+            </p:extLst>
+          </p:nvPr>
+        </p:nvGraphicFramePr>
+        <p:xfrm>
+          <a:off x="867905" y="2810613"/>
+          <a:ext cx="3768133" cy="1450665"/>
+        </p:xfrm>
+        <a:graphic>
+          <a:graphicData uri="http://schemas.openxmlformats.org/drawingml/2006/table">
+            <a:tbl>
+              <a:tblPr>
+                <a:tableStyleId>{69CF1AB2-1976-4502-BF36-3FF5EA218861}</a:tableStyleId>
+              </a:tblPr>
+              <a:tblGrid>
+                <a:gridCol w="1578827">
+                  <a:extLst>
+                    <a:ext uri="{9D8B030D-6E8A-4147-A177-3AD203B41FA5}">
+                      <a16:colId xmlns:a16="http://schemas.microsoft.com/office/drawing/2014/main" val="3587727809"/>
+                    </a:ext>
+                  </a:extLst>
+                </a:gridCol>
+                <a:gridCol w="1115704">
+                  <a:extLst>
+                    <a:ext uri="{9D8B030D-6E8A-4147-A177-3AD203B41FA5}">
+                      <a16:colId xmlns:a16="http://schemas.microsoft.com/office/drawing/2014/main" val="588989717"/>
+                    </a:ext>
+                  </a:extLst>
+                </a:gridCol>
+                <a:gridCol w="1073602">
+                  <a:extLst>
+                    <a:ext uri="{9D8B030D-6E8A-4147-A177-3AD203B41FA5}">
+                      <a16:colId xmlns:a16="http://schemas.microsoft.com/office/drawing/2014/main" val="3710802802"/>
+                    </a:ext>
+                  </a:extLst>
+                </a:gridCol>
+              </a:tblGrid>
+              <a:tr h="237370">
+                <a:tc>
+                  <a:txBody>
+                    <a:bodyPr/>
+                    <a:lstStyle/>
+                    <a:p>
+                      <a:pPr algn="l" fontAlgn="b"/>
+                      <a:r>
+                        <a:rPr lang="en-US" sz="1100" b="1" u="none" strike="noStrike">
+                          <a:effectLst/>
+                        </a:rPr>
+                        <a:t>Name</a:t>
+                      </a:r>
+                      <a:endParaRPr lang="en-US" sz="1100" b="1" i="0" u="none" strike="noStrike">
+                        <a:solidFill>
+                          <a:srgbClr val="FFFFFF"/>
+                        </a:solidFill>
+                        <a:effectLst/>
+                        <a:latin typeface="Calibri" panose="020F0502020204030204" pitchFamily="34" charset="0"/>
+                      </a:endParaRPr>
+                    </a:p>
+                  </a:txBody>
+                  <a:tcPr marL="4763" marR="4763" marT="4763" marB="0" anchor="b"/>
+                </a:tc>
+                <a:tc>
+                  <a:txBody>
+                    <a:bodyPr/>
+                    <a:lstStyle/>
+                    <a:p>
+                      <a:pPr algn="l" fontAlgn="b"/>
+                      <a:r>
+                        <a:rPr lang="en-US" sz="1100" b="1" u="none" strike="noStrike">
+                          <a:effectLst/>
+                        </a:rPr>
+                        <a:t>Accuracy</a:t>
+                      </a:r>
+                      <a:endParaRPr lang="en-US" sz="1100" b="1" i="0" u="none" strike="noStrike">
+                        <a:solidFill>
+                          <a:srgbClr val="FFFFFF"/>
+                        </a:solidFill>
+                        <a:effectLst/>
+                        <a:latin typeface="Calibri" panose="020F0502020204030204" pitchFamily="34" charset="0"/>
+                      </a:endParaRPr>
+                    </a:p>
+                  </a:txBody>
+                  <a:tcPr marL="4763" marR="4763" marT="4763" marB="0" anchor="b"/>
+                </a:tc>
+                <a:tc>
+                  <a:txBody>
+                    <a:bodyPr/>
+                    <a:lstStyle/>
+                    <a:p>
+                      <a:pPr algn="l" fontAlgn="b"/>
+                      <a:r>
+                        <a:rPr lang="en-US" sz="1100" b="1" u="none" strike="noStrike" dirty="0">
+                          <a:effectLst/>
+                        </a:rPr>
+                        <a:t>Recall</a:t>
+                      </a:r>
+                      <a:endParaRPr lang="en-US" sz="1100" b="1" i="0" u="none" strike="noStrike" dirty="0">
+                        <a:solidFill>
+                          <a:srgbClr val="FFFFFF"/>
+                        </a:solidFill>
+                        <a:effectLst/>
+                        <a:latin typeface="Calibri" panose="020F0502020204030204" pitchFamily="34" charset="0"/>
+                      </a:endParaRPr>
+                    </a:p>
+                  </a:txBody>
+                  <a:tcPr marL="4763" marR="4763" marT="4763" marB="0" anchor="b"/>
+                </a:tc>
+                <a:extLst>
+                  <a:ext uri="{0D108BD9-81ED-4DB2-BD59-A6C34878D82A}">
+                    <a16:rowId xmlns:a16="http://schemas.microsoft.com/office/drawing/2014/main" val="491505750"/>
+                  </a:ext>
+                </a:extLst>
+              </a:tr>
+              <a:tr h="237370">
+                <a:tc>
+                  <a:txBody>
+                    <a:bodyPr/>
+                    <a:lstStyle/>
+                    <a:p>
+                      <a:pPr algn="l" fontAlgn="b"/>
+                      <a:r>
+                        <a:rPr lang="en-US" sz="1100" u="none" strike="noStrike">
+                          <a:effectLst/>
+                        </a:rPr>
+                        <a:t>Decision Tree</a:t>
+                      </a:r>
+                      <a:endParaRPr lang="en-US" sz="1100" b="0" i="0" u="none" strike="noStrike">
+                        <a:solidFill>
+                          <a:srgbClr val="000000"/>
+                        </a:solidFill>
+                        <a:effectLst/>
+                        <a:latin typeface="Calibri" panose="020F0502020204030204" pitchFamily="34" charset="0"/>
+                      </a:endParaRPr>
+                    </a:p>
+                  </a:txBody>
+                  <a:tcPr marL="4763" marR="4763" marT="4763" marB="0" anchor="b"/>
+                </a:tc>
+                <a:tc>
+                  <a:txBody>
+                    <a:bodyPr/>
+                    <a:lstStyle/>
+                    <a:p>
+                      <a:pPr algn="r" fontAlgn="b"/>
+                      <a:r>
+                        <a:rPr lang="en-US" sz="1100" u="none" strike="noStrike">
+                          <a:effectLst/>
+                        </a:rPr>
+                        <a:t>60.6%</a:t>
+                      </a:r>
+                      <a:endParaRPr lang="en-US" sz="1100" b="0" i="0" u="none" strike="noStrike">
+                        <a:solidFill>
+                          <a:srgbClr val="000000"/>
+                        </a:solidFill>
+                        <a:effectLst/>
+                        <a:latin typeface="Calibri" panose="020F0502020204030204" pitchFamily="34" charset="0"/>
+                      </a:endParaRPr>
+                    </a:p>
+                  </a:txBody>
+                  <a:tcPr marL="4763" marR="4763" marT="4763" marB="0" anchor="b"/>
+                </a:tc>
+                <a:tc>
+                  <a:txBody>
+                    <a:bodyPr/>
+                    <a:lstStyle/>
+                    <a:p>
+                      <a:pPr algn="r" fontAlgn="b"/>
+                      <a:r>
+                        <a:rPr lang="en-US" sz="1100" u="none" strike="noStrike">
+                          <a:effectLst/>
+                        </a:rPr>
+                        <a:t>57.9%</a:t>
+                      </a:r>
+                      <a:endParaRPr lang="en-US" sz="1100" b="0" i="0" u="none" strike="noStrike">
+                        <a:solidFill>
+                          <a:srgbClr val="000000"/>
+                        </a:solidFill>
+                        <a:effectLst/>
+                        <a:latin typeface="Calibri" panose="020F0502020204030204" pitchFamily="34" charset="0"/>
+                      </a:endParaRPr>
+                    </a:p>
+                  </a:txBody>
+                  <a:tcPr marL="4763" marR="4763" marT="4763" marB="0" anchor="b"/>
+                </a:tc>
+                <a:extLst>
+                  <a:ext uri="{0D108BD9-81ED-4DB2-BD59-A6C34878D82A}">
+                    <a16:rowId xmlns:a16="http://schemas.microsoft.com/office/drawing/2014/main" val="196718133"/>
+                  </a:ext>
+                </a:extLst>
+              </a:tr>
+              <a:tr h="263815">
+                <a:tc>
+                  <a:txBody>
+                    <a:bodyPr/>
+                    <a:lstStyle/>
+                    <a:p>
+                      <a:pPr algn="l" fontAlgn="b"/>
+                      <a:r>
+                        <a:rPr lang="en-US" sz="1100" u="none" strike="noStrike" dirty="0">
+                          <a:effectLst/>
+                        </a:rPr>
+                        <a:t>Random Forest</a:t>
+                      </a:r>
+                      <a:endParaRPr lang="en-US" sz="1100" b="0" i="0" u="none" strike="noStrike" dirty="0">
+                        <a:solidFill>
+                          <a:srgbClr val="000000"/>
+                        </a:solidFill>
+                        <a:effectLst/>
+                        <a:latin typeface="Calibri" panose="020F0502020204030204" pitchFamily="34" charset="0"/>
+                      </a:endParaRPr>
+                    </a:p>
+                  </a:txBody>
+                  <a:tcPr marL="4763" marR="4763" marT="4763" marB="0" anchor="b"/>
+                </a:tc>
+                <a:tc>
+                  <a:txBody>
+                    <a:bodyPr/>
+                    <a:lstStyle/>
+                    <a:p>
+                      <a:pPr algn="r" fontAlgn="b"/>
+                      <a:r>
+                        <a:rPr lang="en-US" sz="1100" u="none" strike="noStrike" dirty="0">
+                          <a:effectLst/>
+                        </a:rPr>
+                        <a:t>91.4%</a:t>
+                      </a:r>
+                      <a:endParaRPr lang="en-US" sz="1100" b="0" i="0" u="none" strike="noStrike" dirty="0">
+                        <a:solidFill>
+                          <a:srgbClr val="000000"/>
+                        </a:solidFill>
+                        <a:effectLst/>
+                        <a:latin typeface="Calibri" panose="020F0502020204030204" pitchFamily="34" charset="0"/>
+                      </a:endParaRPr>
+                    </a:p>
+                  </a:txBody>
+                  <a:tcPr marL="4763" marR="4763" marT="4763" marB="0" anchor="b"/>
+                </a:tc>
+                <a:tc>
+                  <a:txBody>
+                    <a:bodyPr/>
+                    <a:lstStyle/>
+                    <a:p>
+                      <a:pPr algn="r" fontAlgn="b"/>
+                      <a:r>
+                        <a:rPr lang="en-US" sz="1100" u="none" strike="noStrike" dirty="0">
+                          <a:effectLst/>
+                        </a:rPr>
+                        <a:t>0.7%</a:t>
+                      </a:r>
+                      <a:endParaRPr lang="en-US" sz="1100" b="0" i="0" u="none" strike="noStrike" dirty="0">
+                        <a:solidFill>
+                          <a:srgbClr val="000000"/>
+                        </a:solidFill>
+                        <a:effectLst/>
+                        <a:latin typeface="Calibri" panose="020F0502020204030204" pitchFamily="34" charset="0"/>
+                      </a:endParaRPr>
+                    </a:p>
+                  </a:txBody>
+                  <a:tcPr marL="4763" marR="4763" marT="4763" marB="0" anchor="b"/>
+                </a:tc>
+                <a:extLst>
+                  <a:ext uri="{0D108BD9-81ED-4DB2-BD59-A6C34878D82A}">
+                    <a16:rowId xmlns:a16="http://schemas.microsoft.com/office/drawing/2014/main" val="920290734"/>
+                  </a:ext>
+                </a:extLst>
+              </a:tr>
+              <a:tr h="237370">
+                <a:tc>
+                  <a:txBody>
+                    <a:bodyPr/>
+                    <a:lstStyle/>
+                    <a:p>
+                      <a:pPr algn="l" fontAlgn="b"/>
+                      <a:r>
+                        <a:rPr lang="en-US" sz="1100" b="1" u="none" strike="noStrike">
+                          <a:effectLst/>
+                        </a:rPr>
+                        <a:t>Logistic</a:t>
+                      </a:r>
+                      <a:endParaRPr lang="en-US" sz="1100" b="1" i="0" u="none" strike="noStrike">
+                        <a:solidFill>
+                          <a:srgbClr val="000000"/>
+                        </a:solidFill>
+                        <a:effectLst/>
+                        <a:latin typeface="Calibri" panose="020F0502020204030204" pitchFamily="34" charset="0"/>
+                      </a:endParaRPr>
+                    </a:p>
+                  </a:txBody>
+                  <a:tcPr marL="4763" marR="4763" marT="4763" marB="0" anchor="b"/>
+                </a:tc>
+                <a:tc>
+                  <a:txBody>
+                    <a:bodyPr/>
+                    <a:lstStyle/>
+                    <a:p>
+                      <a:pPr algn="r" fontAlgn="b"/>
+                      <a:r>
+                        <a:rPr lang="en-US" sz="1100" b="1" u="none" strike="noStrike">
+                          <a:effectLst/>
+                        </a:rPr>
+                        <a:t>56.3%</a:t>
+                      </a:r>
+                      <a:endParaRPr lang="en-US" sz="1100" b="1" i="0" u="none" strike="noStrike">
+                        <a:solidFill>
+                          <a:srgbClr val="000000"/>
+                        </a:solidFill>
+                        <a:effectLst/>
+                        <a:latin typeface="Calibri" panose="020F0502020204030204" pitchFamily="34" charset="0"/>
+                      </a:endParaRPr>
+                    </a:p>
+                  </a:txBody>
+                  <a:tcPr marL="4763" marR="4763" marT="4763" marB="0" anchor="b"/>
+                </a:tc>
+                <a:tc>
+                  <a:txBody>
+                    <a:bodyPr/>
+                    <a:lstStyle/>
+                    <a:p>
+                      <a:pPr algn="r" fontAlgn="b"/>
+                      <a:r>
+                        <a:rPr lang="en-US" sz="1100" b="1" u="none" strike="noStrike" dirty="0">
+                          <a:effectLst/>
+                        </a:rPr>
+                        <a:t>65.8%</a:t>
+                      </a:r>
+                      <a:endParaRPr lang="en-US" sz="1100" b="1" i="0" u="none" strike="noStrike" dirty="0">
+                        <a:solidFill>
+                          <a:srgbClr val="000000"/>
+                        </a:solidFill>
+                        <a:effectLst/>
+                        <a:latin typeface="Calibri" panose="020F0502020204030204" pitchFamily="34" charset="0"/>
+                      </a:endParaRPr>
+                    </a:p>
+                  </a:txBody>
+                  <a:tcPr marL="4763" marR="4763" marT="4763" marB="0" anchor="b"/>
+                </a:tc>
+                <a:extLst>
+                  <a:ext uri="{0D108BD9-81ED-4DB2-BD59-A6C34878D82A}">
+                    <a16:rowId xmlns:a16="http://schemas.microsoft.com/office/drawing/2014/main" val="2359256683"/>
+                  </a:ext>
+                </a:extLst>
+              </a:tr>
+              <a:tr h="237370">
+                <a:tc>
+                  <a:txBody>
+                    <a:bodyPr/>
+                    <a:lstStyle/>
+                    <a:p>
+                      <a:pPr algn="l" fontAlgn="b"/>
+                      <a:r>
+                        <a:rPr lang="en-US" sz="1100" u="none" strike="noStrike">
+                          <a:effectLst/>
+                        </a:rPr>
+                        <a:t>KNN</a:t>
+                      </a:r>
+                      <a:endParaRPr lang="en-US" sz="1100" b="0" i="0" u="none" strike="noStrike">
+                        <a:solidFill>
+                          <a:srgbClr val="000000"/>
+                        </a:solidFill>
+                        <a:effectLst/>
+                        <a:latin typeface="Calibri" panose="020F0502020204030204" pitchFamily="34" charset="0"/>
+                      </a:endParaRPr>
+                    </a:p>
+                  </a:txBody>
+                  <a:tcPr marL="4763" marR="4763" marT="4763" marB="0" anchor="b"/>
+                </a:tc>
+                <a:tc>
+                  <a:txBody>
+                    <a:bodyPr/>
+                    <a:lstStyle/>
+                    <a:p>
+                      <a:pPr algn="r" fontAlgn="b"/>
+                      <a:r>
+                        <a:rPr lang="en-US" sz="1100" u="none" strike="noStrike">
+                          <a:effectLst/>
+                        </a:rPr>
+                        <a:t>84.8%</a:t>
+                      </a:r>
+                      <a:endParaRPr lang="en-US" sz="1100" b="0" i="0" u="none" strike="noStrike">
+                        <a:solidFill>
+                          <a:srgbClr val="000000"/>
+                        </a:solidFill>
+                        <a:effectLst/>
+                        <a:latin typeface="Calibri" panose="020F0502020204030204" pitchFamily="34" charset="0"/>
+                      </a:endParaRPr>
+                    </a:p>
+                  </a:txBody>
+                  <a:tcPr marL="4763" marR="4763" marT="4763" marB="0" anchor="b"/>
+                </a:tc>
+                <a:tc>
+                  <a:txBody>
+                    <a:bodyPr/>
+                    <a:lstStyle/>
+                    <a:p>
+                      <a:pPr algn="r" fontAlgn="b"/>
+                      <a:r>
+                        <a:rPr lang="en-US" sz="1100" u="none" strike="noStrike">
+                          <a:effectLst/>
+                        </a:rPr>
+                        <a:t>10.8%</a:t>
+                      </a:r>
+                      <a:endParaRPr lang="en-US" sz="1100" b="0" i="0" u="none" strike="noStrike">
+                        <a:solidFill>
+                          <a:srgbClr val="000000"/>
+                        </a:solidFill>
+                        <a:effectLst/>
+                        <a:latin typeface="Calibri" panose="020F0502020204030204" pitchFamily="34" charset="0"/>
+                      </a:endParaRPr>
+                    </a:p>
+                  </a:txBody>
+                  <a:tcPr marL="4763" marR="4763" marT="4763" marB="0" anchor="b"/>
+                </a:tc>
+                <a:extLst>
+                  <a:ext uri="{0D108BD9-81ED-4DB2-BD59-A6C34878D82A}">
+                    <a16:rowId xmlns:a16="http://schemas.microsoft.com/office/drawing/2014/main" val="3750594152"/>
+                  </a:ext>
+                </a:extLst>
+              </a:tr>
+              <a:tr h="237370">
+                <a:tc>
+                  <a:txBody>
+                    <a:bodyPr/>
+                    <a:lstStyle/>
+                    <a:p>
+                      <a:pPr algn="l" fontAlgn="b"/>
+                      <a:r>
+                        <a:rPr lang="en-US" sz="1100" u="none" strike="noStrike" dirty="0" err="1">
+                          <a:effectLst/>
+                        </a:rPr>
+                        <a:t>XGBoost</a:t>
+                      </a:r>
+                      <a:endParaRPr lang="en-US" sz="1100" b="0" i="0" u="none" strike="noStrike" dirty="0">
+                        <a:solidFill>
+                          <a:srgbClr val="000000"/>
+                        </a:solidFill>
+                        <a:effectLst/>
+                        <a:latin typeface="Calibri" panose="020F0502020204030204" pitchFamily="34" charset="0"/>
+                      </a:endParaRPr>
+                    </a:p>
+                  </a:txBody>
+                  <a:tcPr marL="4763" marR="4763" marT="4763" marB="0" anchor="b"/>
+                </a:tc>
+                <a:tc>
+                  <a:txBody>
+                    <a:bodyPr/>
+                    <a:lstStyle/>
+                    <a:p>
+                      <a:pPr algn="r" fontAlgn="b"/>
+                      <a:r>
+                        <a:rPr lang="en-US" sz="1100" u="none" strike="noStrike" dirty="0">
+                          <a:effectLst/>
+                        </a:rPr>
+                        <a:t>89.5%</a:t>
+                      </a:r>
+                      <a:endParaRPr lang="en-US" sz="1100" b="0" i="0" u="none" strike="noStrike" dirty="0">
+                        <a:solidFill>
+                          <a:srgbClr val="000000"/>
+                        </a:solidFill>
+                        <a:effectLst/>
+                        <a:latin typeface="Calibri" panose="020F0502020204030204" pitchFamily="34" charset="0"/>
+                      </a:endParaRPr>
+                    </a:p>
+                  </a:txBody>
+                  <a:tcPr marL="4763" marR="4763" marT="4763" marB="0" anchor="b"/>
+                </a:tc>
+                <a:tc>
+                  <a:txBody>
+                    <a:bodyPr/>
+                    <a:lstStyle/>
+                    <a:p>
+                      <a:pPr algn="r" fontAlgn="b"/>
+                      <a:r>
+                        <a:rPr lang="en-US" sz="1100" u="none" strike="noStrike" dirty="0">
+                          <a:effectLst/>
+                        </a:rPr>
+                        <a:t>7.1%</a:t>
+                      </a:r>
+                      <a:endParaRPr lang="en-US" sz="1100" b="0" i="0" u="none" strike="noStrike" dirty="0">
+                        <a:solidFill>
+                          <a:srgbClr val="000000"/>
+                        </a:solidFill>
+                        <a:effectLst/>
+                        <a:latin typeface="Calibri" panose="020F0502020204030204" pitchFamily="34" charset="0"/>
+                      </a:endParaRPr>
+                    </a:p>
+                  </a:txBody>
+                  <a:tcPr marL="4763" marR="4763" marT="4763" marB="0" anchor="b"/>
+                </a:tc>
+                <a:extLst>
+                  <a:ext uri="{0D108BD9-81ED-4DB2-BD59-A6C34878D82A}">
+                    <a16:rowId xmlns:a16="http://schemas.microsoft.com/office/drawing/2014/main" val="2914670552"/>
+                  </a:ext>
+                </a:extLst>
+              </a:tr>
+            </a:tbl>
+          </a:graphicData>
+        </a:graphic>
+      </p:graphicFrame>
+    </p:spTree>
+    <p:extLst>
+      <p:ext uri="{BB962C8B-B14F-4D97-AF65-F5344CB8AC3E}">
+        <p14:creationId xmlns:p14="http://schemas.microsoft.com/office/powerpoint/2010/main" val="1291606751"/>
+      </p:ext>
+    </p:extLst>
+  </p:cSld>
+  <p:clrMapOvr>
+    <a:masterClrMapping/>
+  </p:clrMapOvr>
+</p:sld>
+</file>
+
+<file path=ppt/slides/slide9.xml><?xml version="1.0" encoding="utf-8"?>
 <p:sld xmlns:a="http://schemas.openxmlformats.org/drawingml/2006/main" xmlns:r="http://schemas.openxmlformats.org/officeDocument/2006/relationships" xmlns:p="http://schemas.openxmlformats.org/presentationml/2006/main">
   <p:cSld>
     <p:spTree>
@@ -15677,7 +16159,7 @@
             </a:pPr>
             <a:r>
               <a:rPr lang="en-US" dirty="0"/>
-              <a:t>How did we use results to improve algorithm?</a:t>
+              <a:t>We ran the various classifiers through different configurations</a:t>
             </a:r>
           </a:p>
           <a:p>
@@ -15687,8 +16169,109 @@
             </a:pPr>
             <a:r>
               <a:rPr lang="en-US" dirty="0"/>
-              <a:t>*List set of prelim outcomes and improvements that resulted from them</a:t>
-            </a:r>
+              <a:t>For Logistic Regression (</a:t>
+            </a:r>
+            <a:r>
+              <a:rPr lang="en-US" dirty="0" err="1"/>
+              <a:t>Choosen</a:t>
+            </a:r>
+            <a:r>
+              <a:rPr lang="en-US" dirty="0"/>
+              <a:t> solution), we tried:</a:t>
+            </a:r>
+          </a:p>
+          <a:p>
+            <a:pPr lvl="2">
+              <a:buFont typeface="Wingdings" panose="05000000000000000000" pitchFamily="2" charset="2"/>
+              <a:buChar char="Ø"/>
+            </a:pPr>
+            <a:r>
+              <a:rPr lang="en-US" dirty="0"/>
+              <a:t>Constant: [1.0, 0.5, 0.2, 1.5]</a:t>
+            </a:r>
+          </a:p>
+          <a:p>
+            <a:pPr lvl="2">
+              <a:buFont typeface="Wingdings" panose="05000000000000000000" pitchFamily="2" charset="2"/>
+              <a:buChar char="Ø"/>
+            </a:pPr>
+            <a:r>
+              <a:rPr lang="en-US" dirty="0"/>
+              <a:t>Penalty: [L2, none]</a:t>
+            </a:r>
+          </a:p>
+          <a:p>
+            <a:pPr lvl="2">
+              <a:buFont typeface="Wingdings" panose="05000000000000000000" pitchFamily="2" charset="2"/>
+              <a:buChar char="Ø"/>
+            </a:pPr>
+            <a:r>
+              <a:rPr lang="en-US" dirty="0"/>
+              <a:t>Solver: [newton-cg, </a:t>
+            </a:r>
+            <a:r>
+              <a:rPr lang="en-US" dirty="0" err="1"/>
+              <a:t>lbfgs</a:t>
+            </a:r>
+            <a:r>
+              <a:rPr lang="en-US" dirty="0"/>
+              <a:t>, </a:t>
+            </a:r>
+            <a:r>
+              <a:rPr lang="en-US" dirty="0" err="1"/>
+              <a:t>liblinear</a:t>
+            </a:r>
+            <a:r>
+              <a:rPr lang="en-US" dirty="0"/>
+              <a:t>, sag, saga]</a:t>
+            </a:r>
+          </a:p>
+          <a:p>
+            <a:pPr lvl="1">
+              <a:buFont typeface="Wingdings" panose="05000000000000000000" pitchFamily="2" charset="2"/>
+              <a:buChar char="Ø"/>
+            </a:pPr>
+            <a:r>
+              <a:rPr lang="en-US" dirty="0"/>
+              <a:t>With best results from:</a:t>
+            </a:r>
+          </a:p>
+          <a:p>
+            <a:pPr lvl="2">
+              <a:buFont typeface="Wingdings" panose="05000000000000000000" pitchFamily="2" charset="2"/>
+              <a:buChar char="Ø"/>
+            </a:pPr>
+            <a:r>
+              <a:rPr lang="en-US" dirty="0"/>
+              <a:t>Constant: 1.0</a:t>
+            </a:r>
+          </a:p>
+          <a:p>
+            <a:pPr lvl="2">
+              <a:buFont typeface="Wingdings" panose="05000000000000000000" pitchFamily="2" charset="2"/>
+              <a:buChar char="Ø"/>
+            </a:pPr>
+            <a:r>
+              <a:rPr lang="en-US" dirty="0"/>
+              <a:t>Penalty: none</a:t>
+            </a:r>
+          </a:p>
+          <a:p>
+            <a:pPr lvl="2">
+              <a:buFont typeface="Wingdings" panose="05000000000000000000" pitchFamily="2" charset="2"/>
+              <a:buChar char="Ø"/>
+            </a:pPr>
+            <a:r>
+              <a:rPr lang="en-US" dirty="0"/>
+              <a:t>Solver: sag</a:t>
+            </a:r>
+          </a:p>
+          <a:p>
+            <a:pPr lvl="1">
+              <a:buFont typeface="Wingdings" panose="05000000000000000000" pitchFamily="2" charset="2"/>
+              <a:buChar char="Ø"/>
+            </a:pPr>
+            <a:endParaRPr lang="en-US" dirty="0"/>
           </a:p>
           <a:p>
             <a:endParaRPr lang="en-US" dirty="0"/>
@@ -15699,326 +16282,6 @@
     <p:extLst>
       <p:ext uri="{BB962C8B-B14F-4D97-AF65-F5344CB8AC3E}">
         <p14:creationId xmlns:p14="http://schemas.microsoft.com/office/powerpoint/2010/main" val="1516619519"/>
-      </p:ext>
-    </p:extLst>
-  </p:cSld>
-  <p:clrMapOvr>
-    <a:masterClrMapping/>
-  </p:clrMapOvr>
-</p:sld>
-</file>
-
-<file path=ppt/slides/slide9.xml><?xml version="1.0" encoding="utf-8"?>
-<p:sld xmlns:a="http://schemas.openxmlformats.org/drawingml/2006/main" xmlns:r="http://schemas.openxmlformats.org/officeDocument/2006/relationships" xmlns:p="http://schemas.openxmlformats.org/presentationml/2006/main">
-  <p:cSld>
-    <p:spTree>
-      <p:nvGrpSpPr>
-        <p:cNvPr id="1" name=""/>
-        <p:cNvGrpSpPr/>
-        <p:nvPr/>
-      </p:nvGrpSpPr>
-      <p:grpSpPr>
-        <a:xfrm>
-          <a:off x="0" y="0"/>
-          <a:ext cx="0" cy="0"/>
-          <a:chOff x="0" y="0"/>
-          <a:chExt cx="0" cy="0"/>
-        </a:xfrm>
-      </p:grpSpPr>
-      <p:sp>
-        <p:nvSpPr>
-          <p:cNvPr id="2" name="Title 1">
-            <a:extLst>
-              <a:ext uri="{FF2B5EF4-FFF2-40B4-BE49-F238E27FC236}">
-                <a16:creationId xmlns:a16="http://schemas.microsoft.com/office/drawing/2014/main" id="{E2BAACAB-E7C3-4710-8809-F6C205579C52}"/>
-              </a:ext>
-            </a:extLst>
-          </p:cNvPr>
-          <p:cNvSpPr>
-            <a:spLocks noGrp="1"/>
-          </p:cNvSpPr>
-          <p:nvPr>
-            <p:ph type="title"/>
-          </p:nvPr>
-        </p:nvSpPr>
-        <p:spPr>
-          <a:xfrm>
-            <a:off x="677335" y="609600"/>
-            <a:ext cx="8596668" cy="782411"/>
-          </a:xfrm>
-        </p:spPr>
-        <p:txBody>
-          <a:bodyPr>
-            <a:normAutofit/>
-          </a:bodyPr>
-          <a:lstStyle/>
-          <a:p>
-            <a:r>
-              <a:rPr lang="en-US" sz="2800" dirty="0"/>
-              <a:t>EDA and Preprocessing</a:t>
-            </a:r>
-          </a:p>
-        </p:txBody>
-      </p:sp>
-      <p:pic>
-        <p:nvPicPr>
-          <p:cNvPr id="7" name="Picture 6">
-            <a:extLst>
-              <a:ext uri="{FF2B5EF4-FFF2-40B4-BE49-F238E27FC236}">
-                <a16:creationId xmlns:a16="http://schemas.microsoft.com/office/drawing/2014/main" id="{30CE53A5-6576-4383-8E1B-188050E132FE}"/>
-              </a:ext>
-            </a:extLst>
-          </p:cNvPr>
-          <p:cNvPicPr>
-            <a:picLocks noChangeAspect="1"/>
-          </p:cNvPicPr>
-          <p:nvPr/>
-        </p:nvPicPr>
-        <p:blipFill>
-          <a:blip r:embed="rId2"/>
-          <a:stretch>
-            <a:fillRect/>
-          </a:stretch>
-        </p:blipFill>
-        <p:spPr>
-          <a:xfrm>
-            <a:off x="2305743" y="1428749"/>
-            <a:ext cx="2669926" cy="2428875"/>
-          </a:xfrm>
-          <a:prstGeom prst="rect">
-            <a:avLst/>
-          </a:prstGeom>
-        </p:spPr>
-      </p:pic>
-      <p:sp>
-        <p:nvSpPr>
-          <p:cNvPr id="8" name="TextBox 7">
-            <a:extLst>
-              <a:ext uri="{FF2B5EF4-FFF2-40B4-BE49-F238E27FC236}">
-                <a16:creationId xmlns:a16="http://schemas.microsoft.com/office/drawing/2014/main" id="{F406B99F-2082-4F51-92FB-31135E66B0F3}"/>
-              </a:ext>
-            </a:extLst>
-          </p:cNvPr>
-          <p:cNvSpPr txBox="1"/>
-          <p:nvPr/>
-        </p:nvSpPr>
-        <p:spPr>
-          <a:xfrm>
-            <a:off x="714375" y="1633725"/>
-            <a:ext cx="2476960" cy="646331"/>
-          </a:xfrm>
-          <a:prstGeom prst="rect">
-            <a:avLst/>
-          </a:prstGeom>
-          <a:noFill/>
-        </p:spPr>
-        <p:txBody>
-          <a:bodyPr wrap="none" rtlCol="0">
-            <a:spAutoFit/>
-          </a:bodyPr>
-          <a:lstStyle/>
-          <a:p>
-            <a:r>
-              <a:rPr lang="en-US" dirty="0"/>
-              <a:t>The data was skewed:</a:t>
-            </a:r>
-          </a:p>
-          <a:p>
-            <a:r>
-              <a:rPr lang="en-US" dirty="0"/>
-              <a:t>target</a:t>
-            </a:r>
-          </a:p>
-        </p:txBody>
-      </p:sp>
-      <p:graphicFrame>
-        <p:nvGraphicFramePr>
-          <p:cNvPr id="11" name="Table 11">
-            <a:extLst>
-              <a:ext uri="{FF2B5EF4-FFF2-40B4-BE49-F238E27FC236}">
-                <a16:creationId xmlns:a16="http://schemas.microsoft.com/office/drawing/2014/main" id="{679F2464-4FD0-42B9-9206-6CAECF184495}"/>
-              </a:ext>
-            </a:extLst>
-          </p:cNvPr>
-          <p:cNvGraphicFramePr>
-            <a:graphicFrameLocks noGrp="1"/>
-          </p:cNvGraphicFramePr>
-          <p:nvPr>
-            <p:extLst>
-              <p:ext uri="{D42A27DB-BD31-4B8C-83A1-F6EECF244321}">
-                <p14:modId xmlns:p14="http://schemas.microsoft.com/office/powerpoint/2010/main" val="1328004906"/>
-              </p:ext>
-            </p:extLst>
-          </p:nvPr>
-        </p:nvGraphicFramePr>
-        <p:xfrm>
-          <a:off x="783470" y="2292479"/>
-          <a:ext cx="1596420" cy="762000"/>
-        </p:xfrm>
-        <a:graphic>
-          <a:graphicData uri="http://schemas.openxmlformats.org/drawingml/2006/table">
-            <a:tbl>
-              <a:tblPr firstRow="1" bandRow="1">
-                <a:tableStyleId>{5C22544A-7EE6-4342-B048-85BDC9FD1C3A}</a:tableStyleId>
-              </a:tblPr>
-              <a:tblGrid>
-                <a:gridCol w="798210">
-                  <a:extLst>
-                    <a:ext uri="{9D8B030D-6E8A-4147-A177-3AD203B41FA5}">
-                      <a16:colId xmlns:a16="http://schemas.microsoft.com/office/drawing/2014/main" val="544260304"/>
-                    </a:ext>
-                  </a:extLst>
-                </a:gridCol>
-                <a:gridCol w="798210">
-                  <a:extLst>
-                    <a:ext uri="{9D8B030D-6E8A-4147-A177-3AD203B41FA5}">
-                      <a16:colId xmlns:a16="http://schemas.microsoft.com/office/drawing/2014/main" val="1907957391"/>
-                    </a:ext>
-                  </a:extLst>
-                </a:gridCol>
-              </a:tblGrid>
-              <a:tr h="202687">
-                <a:tc>
-                  <a:txBody>
-                    <a:bodyPr/>
-                    <a:lstStyle/>
-                    <a:p>
-                      <a:r>
-                        <a:rPr lang="en-US" sz="800" dirty="0"/>
-                        <a:t>Target</a:t>
-                      </a:r>
-                    </a:p>
-                  </a:txBody>
-                  <a:tcPr/>
-                </a:tc>
-                <a:tc>
-                  <a:txBody>
-                    <a:bodyPr/>
-                    <a:lstStyle/>
-                    <a:p>
-                      <a:r>
-                        <a:rPr lang="en-US" sz="800" dirty="0"/>
-                        <a:t>Count</a:t>
-                      </a:r>
-                    </a:p>
-                  </a:txBody>
-                  <a:tcPr/>
-                </a:tc>
-                <a:extLst>
-                  <a:ext uri="{0D108BD9-81ED-4DB2-BD59-A6C34878D82A}">
-                    <a16:rowId xmlns:a16="http://schemas.microsoft.com/office/drawing/2014/main" val="302701932"/>
-                  </a:ext>
-                </a:extLst>
-              </a:tr>
-              <a:tr h="202687">
-                <a:tc>
-                  <a:txBody>
-                    <a:bodyPr/>
-                    <a:lstStyle/>
-                    <a:p>
-                      <a:r>
-                        <a:rPr lang="en-US" sz="800" dirty="0"/>
-                        <a:t>Not Default (0)</a:t>
-                      </a:r>
-                    </a:p>
-                  </a:txBody>
-                  <a:tcPr/>
-                </a:tc>
-                <a:tc>
-                  <a:txBody>
-                    <a:bodyPr/>
-                    <a:lstStyle/>
-                    <a:p>
-                      <a:r>
-                        <a:rPr lang="en-US" sz="800" dirty="0"/>
-                        <a:t>199298</a:t>
-                      </a:r>
-                    </a:p>
-                  </a:txBody>
-                  <a:tcPr/>
-                </a:tc>
-                <a:extLst>
-                  <a:ext uri="{0D108BD9-81ED-4DB2-BD59-A6C34878D82A}">
-                    <a16:rowId xmlns:a16="http://schemas.microsoft.com/office/drawing/2014/main" val="4109067425"/>
-                  </a:ext>
-                </a:extLst>
-              </a:tr>
-              <a:tr h="202687">
-                <a:tc>
-                  <a:txBody>
-                    <a:bodyPr/>
-                    <a:lstStyle/>
-                    <a:p>
-                      <a:r>
-                        <a:rPr lang="en-US" sz="800" dirty="0"/>
-                        <a:t>Default(1)</a:t>
-                      </a:r>
-                    </a:p>
-                  </a:txBody>
-                  <a:tcPr/>
-                </a:tc>
-                <a:tc>
-                  <a:txBody>
-                    <a:bodyPr/>
-                    <a:lstStyle/>
-                    <a:p>
-                      <a:r>
-                        <a:rPr lang="en-US" sz="800" dirty="0"/>
-                        <a:t>18037</a:t>
-                      </a:r>
-                    </a:p>
-                  </a:txBody>
-                  <a:tcPr/>
-                </a:tc>
-                <a:extLst>
-                  <a:ext uri="{0D108BD9-81ED-4DB2-BD59-A6C34878D82A}">
-                    <a16:rowId xmlns:a16="http://schemas.microsoft.com/office/drawing/2014/main" val="4157636700"/>
-                  </a:ext>
-                </a:extLst>
-              </a:tr>
-            </a:tbl>
-          </a:graphicData>
-        </a:graphic>
-      </p:graphicFrame>
-      <p:sp>
-        <p:nvSpPr>
-          <p:cNvPr id="3" name="TextBox 2">
-            <a:extLst>
-              <a:ext uri="{FF2B5EF4-FFF2-40B4-BE49-F238E27FC236}">
-                <a16:creationId xmlns:a16="http://schemas.microsoft.com/office/drawing/2014/main" id="{87753401-DF29-4E19-8AB6-694B32C934FF}"/>
-              </a:ext>
-            </a:extLst>
-          </p:cNvPr>
-          <p:cNvSpPr txBox="1"/>
-          <p:nvPr/>
-        </p:nvSpPr>
-        <p:spPr>
-          <a:xfrm>
-            <a:off x="677335" y="3679170"/>
-            <a:ext cx="4083810" cy="369332"/>
-          </a:xfrm>
-          <a:prstGeom prst="rect">
-            <a:avLst/>
-          </a:prstGeom>
-          <a:noFill/>
-        </p:spPr>
-        <p:txBody>
-          <a:bodyPr wrap="none" rtlCol="0">
-            <a:spAutoFit/>
-          </a:bodyPr>
-          <a:lstStyle/>
-          <a:p>
-            <a:r>
-              <a:rPr lang="en-US" dirty="0"/>
-              <a:t>We have oversampled to skewed data</a:t>
-            </a:r>
-          </a:p>
-        </p:txBody>
-      </p:sp>
-    </p:spTree>
-    <p:extLst>
-      <p:ext uri="{BB962C8B-B14F-4D97-AF65-F5344CB8AC3E}">
-        <p14:creationId xmlns:p14="http://schemas.microsoft.com/office/powerpoint/2010/main" val="2860001489"/>
       </p:ext>
     </p:extLst>
   </p:cSld>
